--- a/Check24_Video_Script.pptx
+++ b/Check24_Video_Script.pptx
@@ -20502,7 +20502,7 @@
                   <a:schemeClr val="tx1"/>
                 </a:solidFill>
               </a:rPr>
-              <a:t>Service Layer</a:t>
+              <a:t>   Service Layer</a:t>
             </a:r>
           </a:p>
         </p:txBody>
@@ -22159,7 +22159,7 @@
         </p:blipFill>
         <p:spPr bwMode="auto">
           <a:xfrm>
-            <a:off x="7634826" y="1502112"/>
+            <a:off x="7634826" y="1351800"/>
             <a:ext cx="353878" cy="353878"/>
           </a:xfrm>
           <a:prstGeom prst="rect">
@@ -22206,7 +22206,7 @@
         </p:blipFill>
         <p:spPr bwMode="auto">
           <a:xfrm>
-            <a:off x="7634826" y="3217894"/>
+            <a:off x="7634826" y="3004952"/>
             <a:ext cx="325552" cy="325552"/>
           </a:xfrm>
           <a:prstGeom prst="rect">
@@ -22316,6 +22316,126 @@
               </a14:hiddenFill>
             </a:ext>
           </a:extLst>
+        </p:spPr>
+      </p:pic>
+      <p:pic>
+        <p:nvPicPr>
+          <p:cNvPr id="27" name="Grafik 26">
+            <a:extLst>
+              <a:ext uri="{FF2B5EF4-FFF2-40B4-BE49-F238E27FC236}">
+                <a16:creationId xmlns:a16="http://schemas.microsoft.com/office/drawing/2014/main" id="{9788B3D5-EF9F-7156-AD0D-7D7DB1DCFD17}"/>
+              </a:ext>
+            </a:extLst>
+          </p:cNvPr>
+          <p:cNvPicPr>
+            <a:picLocks noChangeAspect="1"/>
+          </p:cNvPicPr>
+          <p:nvPr/>
+        </p:nvPicPr>
+        <p:blipFill>
+          <a:blip r:embed="rId12"/>
+          <a:stretch>
+            <a:fillRect/>
+          </a:stretch>
+        </p:blipFill>
+        <p:spPr>
+          <a:xfrm>
+            <a:off x="4041016" y="787601"/>
+            <a:ext cx="534134" cy="404025"/>
+          </a:xfrm>
+          <a:prstGeom prst="rect">
+            <a:avLst/>
+          </a:prstGeom>
+        </p:spPr>
+      </p:pic>
+      <p:pic>
+        <p:nvPicPr>
+          <p:cNvPr id="28" name="Grafik 27">
+            <a:extLst>
+              <a:ext uri="{FF2B5EF4-FFF2-40B4-BE49-F238E27FC236}">
+                <a16:creationId xmlns:a16="http://schemas.microsoft.com/office/drawing/2014/main" id="{16BFF912-BC50-4733-F9FC-0E2B4E110869}"/>
+              </a:ext>
+            </a:extLst>
+          </p:cNvPr>
+          <p:cNvPicPr>
+            <a:picLocks noChangeAspect="1"/>
+          </p:cNvPicPr>
+          <p:nvPr/>
+        </p:nvPicPr>
+        <p:blipFill>
+          <a:blip r:embed="rId12"/>
+          <a:stretch>
+            <a:fillRect/>
+          </a:stretch>
+        </p:blipFill>
+        <p:spPr>
+          <a:xfrm>
+            <a:off x="1751011" y="4018619"/>
+            <a:ext cx="534134" cy="404025"/>
+          </a:xfrm>
+          <a:prstGeom prst="rect">
+            <a:avLst/>
+          </a:prstGeom>
+        </p:spPr>
+      </p:pic>
+      <p:pic>
+        <p:nvPicPr>
+          <p:cNvPr id="29" name="Grafik 28">
+            <a:extLst>
+              <a:ext uri="{FF2B5EF4-FFF2-40B4-BE49-F238E27FC236}">
+                <a16:creationId xmlns:a16="http://schemas.microsoft.com/office/drawing/2014/main" id="{9980CC8A-5A61-3065-069C-254D5BEADCF4}"/>
+              </a:ext>
+            </a:extLst>
+          </p:cNvPr>
+          <p:cNvPicPr>
+            <a:picLocks noChangeAspect="1"/>
+          </p:cNvPicPr>
+          <p:nvPr/>
+        </p:nvPicPr>
+        <p:blipFill>
+          <a:blip r:embed="rId12"/>
+          <a:stretch>
+            <a:fillRect/>
+          </a:stretch>
+        </p:blipFill>
+        <p:spPr>
+          <a:xfrm>
+            <a:off x="4041016" y="3593617"/>
+            <a:ext cx="534134" cy="404025"/>
+          </a:xfrm>
+          <a:prstGeom prst="rect">
+            <a:avLst/>
+          </a:prstGeom>
+        </p:spPr>
+      </p:pic>
+      <p:pic>
+        <p:nvPicPr>
+          <p:cNvPr id="30" name="Grafik 29">
+            <a:extLst>
+              <a:ext uri="{FF2B5EF4-FFF2-40B4-BE49-F238E27FC236}">
+                <a16:creationId xmlns:a16="http://schemas.microsoft.com/office/drawing/2014/main" id="{7E290431-05DC-FAF9-A32B-C477E2EC6C6F}"/>
+              </a:ext>
+            </a:extLst>
+          </p:cNvPr>
+          <p:cNvPicPr>
+            <a:picLocks noChangeAspect="1"/>
+          </p:cNvPicPr>
+          <p:nvPr/>
+        </p:nvPicPr>
+        <p:blipFill>
+          <a:blip r:embed="rId12"/>
+          <a:stretch>
+            <a:fillRect/>
+          </a:stretch>
+        </p:blipFill>
+        <p:spPr>
+          <a:xfrm>
+            <a:off x="4041016" y="4738388"/>
+            <a:ext cx="534134" cy="404025"/>
+          </a:xfrm>
+          <a:prstGeom prst="rect">
+            <a:avLst/>
+          </a:prstGeom>
         </p:spPr>
       </p:pic>
     </p:spTree>

--- a/Check24_Video_Script.pptx
+++ b/Check24_Video_Script.pptx
@@ -18760,100 +18760,6 @@
       </p:sp>
       <p:sp>
         <p:nvSpPr>
-          <p:cNvPr id="1212" name="Google Shape;1212;p35">
-            <a:extLst>
-              <a:ext uri="{FF2B5EF4-FFF2-40B4-BE49-F238E27FC236}">
-                <a16:creationId xmlns:a16="http://schemas.microsoft.com/office/drawing/2014/main" id="{53408B13-E34F-2292-B31F-DAF906DBB520}"/>
-              </a:ext>
-            </a:extLst>
-          </p:cNvPr>
-          <p:cNvSpPr txBox="1">
-            <a:spLocks noGrp="1"/>
-          </p:cNvSpPr>
-          <p:nvPr>
-            <p:ph type="subTitle" idx="1"/>
-          </p:nvPr>
-        </p:nvSpPr>
-        <p:spPr>
-          <a:xfrm>
-            <a:off x="4063009" y="1017725"/>
-            <a:ext cx="3378000" cy="1938000"/>
-          </a:xfrm>
-          <a:prstGeom prst="rect">
-            <a:avLst/>
-          </a:prstGeom>
-        </p:spPr>
-        <p:txBody>
-          <a:bodyPr spcFirstLastPara="1" wrap="square" lIns="91425" tIns="91425" rIns="91425" bIns="91425" anchor="t" anchorCtr="0">
-            <a:noAutofit/>
-          </a:bodyPr>
-          <a:lstStyle/>
-          <a:p>
-            <a:pPr marL="0" lvl="0" indent="0" algn="l" rtl="0">
-              <a:spcBef>
-                <a:spcPts val="0"/>
-              </a:spcBef>
-              <a:spcAft>
-                <a:spcPts val="0"/>
-              </a:spcAft>
-              <a:buNone/>
-            </a:pPr>
-            <a:r>
-              <a:rPr lang="en" b="1" dirty="0"/>
-              <a:t>Solution:</a:t>
-            </a:r>
-          </a:p>
-          <a:p>
-            <a:pPr marL="0" lvl="0" indent="0"/>
-            <a:r>
-              <a:rPr lang="de-DE" dirty="0"/>
-              <a:t>Server-Driven UI</a:t>
-            </a:r>
-          </a:p>
-          <a:p>
-            <a:pPr marL="0" lvl="0" indent="0"/>
-            <a:endParaRPr lang="de-DE" dirty="0"/>
-          </a:p>
-          <a:p>
-            <a:pPr marL="0" lvl="0" indent="0"/>
-            <a:endParaRPr lang="de-DE" dirty="0"/>
-          </a:p>
-          <a:p>
-            <a:pPr marL="0" lvl="0" indent="0"/>
-            <a:r>
-              <a:rPr lang="de-DE" dirty="0"/>
-              <a:t>               A JSON </a:t>
-            </a:r>
-            <a:r>
-              <a:rPr lang="de-DE" dirty="0" err="1"/>
-              <a:t>contract</a:t>
-            </a:r>
-            <a:r>
-              <a:rPr lang="de-DE" dirty="0"/>
-              <a:t> </a:t>
-            </a:r>
-            <a:r>
-              <a:rPr lang="de-DE" dirty="0" err="1"/>
-              <a:t>rules</a:t>
-            </a:r>
-            <a:r>
-              <a:rPr lang="de-DE" dirty="0"/>
-              <a:t> </a:t>
-            </a:r>
-            <a:r>
-              <a:rPr lang="de-DE" dirty="0" err="1"/>
-              <a:t>them</a:t>
-            </a:r>
-            <a:r>
-              <a:rPr lang="de-DE" dirty="0"/>
-              <a:t> all</a:t>
-            </a:r>
-            <a:endParaRPr dirty="0"/>
-          </a:p>
-        </p:txBody>
-      </p:sp>
-      <p:sp>
-        <p:nvSpPr>
           <p:cNvPr id="1213" name="Google Shape;1213;p35">
             <a:extLst>
               <a:ext uri="{FF2B5EF4-FFF2-40B4-BE49-F238E27FC236}">
@@ -18977,46 +18883,35 @@
               <a:rPr lang="de-DE" dirty="0" err="1"/>
               <a:t>delays</a:t>
             </a:r>
+            <a:endParaRPr lang="de-DE" dirty="0"/>
+          </a:p>
+          <a:p>
+            <a:pPr marL="285750" lvl="0" indent="-285750">
+              <a:buFont typeface="Symbol" panose="05050102010706020507" pitchFamily="18" charset="2"/>
+              <a:buChar char="-"/>
+            </a:pPr>
+            <a:endParaRPr lang="de-DE" dirty="0"/>
+          </a:p>
+          <a:p>
+            <a:pPr marL="0" lvl="0" indent="0"/>
+            <a:r>
+              <a:rPr lang="en" b="1" dirty="0"/>
+              <a:t>Solution:</a:t>
+            </a:r>
+          </a:p>
+          <a:p>
+            <a:pPr marL="0" lvl="0" indent="0"/>
+            <a:r>
+              <a:rPr lang="de-DE" dirty="0"/>
+              <a:t>Server-Driven UI</a:t>
+            </a:r>
+          </a:p>
+          <a:p>
+            <a:pPr marL="0" lvl="0" indent="0"/>
             <a:endParaRPr dirty="0"/>
           </a:p>
         </p:txBody>
       </p:sp>
-      <p:pic>
-        <p:nvPicPr>
-          <p:cNvPr id="3" name="Grafik 2" descr="Medaille mit einfarbiger Füllung">
-            <a:extLst>
-              <a:ext uri="{FF2B5EF4-FFF2-40B4-BE49-F238E27FC236}">
-                <a16:creationId xmlns:a16="http://schemas.microsoft.com/office/drawing/2014/main" id="{49B8EDD9-8DA8-C255-8BB1-7B7852B6A5A1}"/>
-              </a:ext>
-            </a:extLst>
-          </p:cNvPr>
-          <p:cNvPicPr>
-            <a:picLocks noChangeAspect="1"/>
-          </p:cNvPicPr>
-          <p:nvPr/>
-        </p:nvPicPr>
-        <p:blipFill>
-          <a:blip r:embed="rId3">
-            <a:extLst>
-              <a:ext uri="{96DAC541-7B7A-43D3-8B79-37D633B846F1}">
-                <asvg:svgBlip xmlns:asvg="http://schemas.microsoft.com/office/drawing/2016/SVG/main" r:embed="rId4"/>
-              </a:ext>
-            </a:extLst>
-          </a:blip>
-          <a:stretch>
-            <a:fillRect/>
-          </a:stretch>
-        </p:blipFill>
-        <p:spPr>
-          <a:xfrm>
-            <a:off x="4009221" y="1657350"/>
-            <a:ext cx="914400" cy="914400"/>
-          </a:xfrm>
-          <a:prstGeom prst="rect">
-            <a:avLst/>
-          </a:prstGeom>
-        </p:spPr>
-      </p:pic>
       <p:sp>
         <p:nvSpPr>
           <p:cNvPr id="5" name="Textfeld 4">
@@ -19031,7 +18926,7 @@
         </p:nvSpPr>
         <p:spPr>
           <a:xfrm>
-            <a:off x="683080" y="2566231"/>
+            <a:off x="4153145" y="1518606"/>
             <a:ext cx="2961073" cy="954107"/>
           </a:xfrm>
           <a:prstGeom prst="rect">
@@ -19048,14 +18943,23 @@
             <a:pPr lvl="0"/>
             <a:r>
               <a:rPr lang="en-US" dirty="0"/>
-              <a:t>+ faster &amp; flexible UI updates</a:t>
+              <a:t>+ </a:t>
             </a:r>
-          </a:p>
-          <a:p>
-            <a:pPr lvl="0"/>
+            <a:r>
+              <a:rPr lang="en-US" b="1" dirty="0"/>
+              <a:t>faster</a:t>
+            </a:r>
             <a:r>
               <a:rPr lang="en-US" dirty="0"/>
-              <a:t>+ consistent across multi-platform</a:t>
+              <a:t> &amp; </a:t>
+            </a:r>
+            <a:r>
+              <a:rPr lang="en-US" b="1" dirty="0"/>
+              <a:t>flexible</a:t>
+            </a:r>
+            <a:r>
+              <a:rPr lang="en-US" dirty="0"/>
+              <a:t> UI updates</a:t>
             </a:r>
           </a:p>
           <a:p>
@@ -19065,8 +18969,23 @@
               <a:t>+ </a:t>
             </a:r>
             <a:r>
-              <a:rPr lang="en-US" dirty="0" err="1"/>
-              <a:t>robuster</a:t>
+              <a:rPr lang="en-US" b="1" dirty="0"/>
+              <a:t>consistent</a:t>
+            </a:r>
+            <a:r>
+              <a:rPr lang="en-US" dirty="0"/>
+              <a:t> across multi-platform</a:t>
+            </a:r>
+          </a:p>
+          <a:p>
+            <a:pPr lvl="0"/>
+            <a:r>
+              <a:rPr lang="en-US" dirty="0"/>
+              <a:t>+ </a:t>
+            </a:r>
+            <a:r>
+              <a:rPr lang="en-US" b="1" dirty="0"/>
+              <a:t>robust</a:t>
             </a:r>
             <a:r>
               <a:rPr lang="en-US" dirty="0"/>
@@ -19077,7 +18996,15 @@
             <a:pPr lvl="0"/>
             <a:r>
               <a:rPr lang="en-US" dirty="0"/>
-              <a:t>+ personalization (in real-time)</a:t>
+              <a:t>+ </a:t>
+            </a:r>
+            <a:r>
+              <a:rPr lang="en-US" b="1" dirty="0"/>
+              <a:t>personalization</a:t>
+            </a:r>
+            <a:r>
+              <a:rPr lang="en-US" dirty="0"/>
+              <a:t> (in real-time)</a:t>
             </a:r>
           </a:p>
         </p:txBody>
@@ -19096,7 +19023,7 @@
         </p:nvSpPr>
         <p:spPr>
           <a:xfrm>
-            <a:off x="3901409" y="2566230"/>
+            <a:off x="4153144" y="2571750"/>
             <a:ext cx="2961073" cy="1169551"/>
           </a:xfrm>
           <a:prstGeom prst="rect">
@@ -19151,36 +19078,6 @@
           </a:p>
         </p:txBody>
       </p:sp>
-      <p:pic>
-        <p:nvPicPr>
-          <p:cNvPr id="4" name="Grafik 3">
-            <a:extLst>
-              <a:ext uri="{FF2B5EF4-FFF2-40B4-BE49-F238E27FC236}">
-                <a16:creationId xmlns:a16="http://schemas.microsoft.com/office/drawing/2014/main" id="{E9BA4DBE-03DF-EBF9-7990-2BE3EFFE89E7}"/>
-              </a:ext>
-            </a:extLst>
-          </p:cNvPr>
-          <p:cNvPicPr>
-            <a:picLocks noChangeAspect="1"/>
-          </p:cNvPicPr>
-          <p:nvPr/>
-        </p:nvPicPr>
-        <p:blipFill>
-          <a:blip r:embed="rId5"/>
-          <a:stretch>
-            <a:fillRect/>
-          </a:stretch>
-        </p:blipFill>
-        <p:spPr>
-          <a:xfrm>
-            <a:off x="6714482" y="2403941"/>
-            <a:ext cx="2234861" cy="747064"/>
-          </a:xfrm>
-          <a:prstGeom prst="rect">
-            <a:avLst/>
-          </a:prstGeom>
-        </p:spPr>
-      </p:pic>
     </p:spTree>
     <p:extLst>
       <p:ext uri="{BB962C8B-B14F-4D97-AF65-F5344CB8AC3E}">
@@ -19203,9 +19100,6 @@
                     <p:cTn id="3" fill="hold">
                       <p:stCondLst>
                         <p:cond delay="indefinite"/>
-                        <p:cond evt="onBegin" delay="0">
-                          <p:tn val="2"/>
-                        </p:cond>
                       </p:stCondLst>
                       <p:childTnLst>
                         <p:par>
@@ -19215,7 +19109,7 @@
                             </p:stCondLst>
                             <p:childTnLst>
                               <p:par>
-                                <p:cTn id="5" presetID="10" presetClass="entr" presetSubtype="0" fill="hold" grpId="0" nodeType="withEffect">
+                                <p:cTn id="5" presetID="10" presetClass="entr" presetSubtype="0" fill="hold" nodeType="clickEffect">
                                   <p:stCondLst>
                                     <p:cond delay="0"/>
                                   </p:stCondLst>
@@ -19223,241 +19117,6 @@
                                     <p:set>
                                       <p:cBhvr>
                                         <p:cTn id="6" dur="1" fill="hold">
-                                          <p:stCondLst>
-                                            <p:cond delay="0"/>
-                                          </p:stCondLst>
-                                        </p:cTn>
-                                        <p:tgtEl>
-                                          <p:spTgt spid="1212">
-                                            <p:txEl>
-                                              <p:pRg st="0" end="0"/>
-                                            </p:txEl>
-                                          </p:spTgt>
-                                        </p:tgtEl>
-                                        <p:attrNameLst>
-                                          <p:attrName>style.visibility</p:attrName>
-                                        </p:attrNameLst>
-                                      </p:cBhvr>
-                                      <p:to>
-                                        <p:strVal val="visible"/>
-                                      </p:to>
-                                    </p:set>
-                                    <p:animEffect transition="in" filter="fade">
-                                      <p:cBhvr>
-                                        <p:cTn id="7" dur="500"/>
-                                        <p:tgtEl>
-                                          <p:spTgt spid="1212">
-                                            <p:txEl>
-                                              <p:pRg st="0" end="0"/>
-                                            </p:txEl>
-                                          </p:spTgt>
-                                        </p:tgtEl>
-                                      </p:cBhvr>
-                                    </p:animEffect>
-                                  </p:childTnLst>
-                                </p:cTn>
-                              </p:par>
-                              <p:par>
-                                <p:cTn id="8" presetID="10" presetClass="entr" presetSubtype="0" fill="hold" grpId="0" nodeType="withEffect">
-                                  <p:stCondLst>
-                                    <p:cond delay="0"/>
-                                  </p:stCondLst>
-                                  <p:childTnLst>
-                                    <p:set>
-                                      <p:cBhvr>
-                                        <p:cTn id="9" dur="1" fill="hold">
-                                          <p:stCondLst>
-                                            <p:cond delay="0"/>
-                                          </p:stCondLst>
-                                        </p:cTn>
-                                        <p:tgtEl>
-                                          <p:spTgt spid="1212">
-                                            <p:txEl>
-                                              <p:pRg st="1" end="1"/>
-                                            </p:txEl>
-                                          </p:spTgt>
-                                        </p:tgtEl>
-                                        <p:attrNameLst>
-                                          <p:attrName>style.visibility</p:attrName>
-                                        </p:attrNameLst>
-                                      </p:cBhvr>
-                                      <p:to>
-                                        <p:strVal val="visible"/>
-                                      </p:to>
-                                    </p:set>
-                                    <p:animEffect transition="in" filter="fade">
-                                      <p:cBhvr>
-                                        <p:cTn id="10" dur="500"/>
-                                        <p:tgtEl>
-                                          <p:spTgt spid="1212">
-                                            <p:txEl>
-                                              <p:pRg st="1" end="1"/>
-                                            </p:txEl>
-                                          </p:spTgt>
-                                        </p:tgtEl>
-                                      </p:cBhvr>
-                                    </p:animEffect>
-                                  </p:childTnLst>
-                                </p:cTn>
-                              </p:par>
-                            </p:childTnLst>
-                          </p:cTn>
-                        </p:par>
-                      </p:childTnLst>
-                    </p:cTn>
-                  </p:par>
-                  <p:par>
-                    <p:cTn id="11" fill="hold">
-                      <p:stCondLst>
-                        <p:cond delay="indefinite"/>
-                      </p:stCondLst>
-                      <p:childTnLst>
-                        <p:par>
-                          <p:cTn id="12" fill="hold">
-                            <p:stCondLst>
-                              <p:cond delay="0"/>
-                            </p:stCondLst>
-                            <p:childTnLst>
-                              <p:par>
-                                <p:cTn id="13" presetID="10" presetClass="entr" presetSubtype="0" fill="hold" nodeType="clickEffect">
-                                  <p:stCondLst>
-                                    <p:cond delay="0"/>
-                                  </p:stCondLst>
-                                  <p:childTnLst>
-                                    <p:set>
-                                      <p:cBhvr>
-                                        <p:cTn id="14" dur="1" fill="hold">
-                                          <p:stCondLst>
-                                            <p:cond delay="0"/>
-                                          </p:stCondLst>
-                                        </p:cTn>
-                                        <p:tgtEl>
-                                          <p:spTgt spid="3"/>
-                                        </p:tgtEl>
-                                        <p:attrNameLst>
-                                          <p:attrName>style.visibility</p:attrName>
-                                        </p:attrNameLst>
-                                      </p:cBhvr>
-                                      <p:to>
-                                        <p:strVal val="visible"/>
-                                      </p:to>
-                                    </p:set>
-                                    <p:animEffect transition="in" filter="fade">
-                                      <p:cBhvr>
-                                        <p:cTn id="15" dur="500"/>
-                                        <p:tgtEl>
-                                          <p:spTgt spid="3"/>
-                                        </p:tgtEl>
-                                      </p:cBhvr>
-                                    </p:animEffect>
-                                  </p:childTnLst>
-                                </p:cTn>
-                              </p:par>
-                              <p:par>
-                                <p:cTn id="16" presetID="10" presetClass="entr" presetSubtype="0" fill="hold" grpId="0" nodeType="withEffect">
-                                  <p:stCondLst>
-                                    <p:cond delay="0"/>
-                                  </p:stCondLst>
-                                  <p:childTnLst>
-                                    <p:set>
-                                      <p:cBhvr>
-                                        <p:cTn id="17" dur="1" fill="hold">
-                                          <p:stCondLst>
-                                            <p:cond delay="0"/>
-                                          </p:stCondLst>
-                                        </p:cTn>
-                                        <p:tgtEl>
-                                          <p:spTgt spid="1212">
-                                            <p:txEl>
-                                              <p:pRg st="4" end="4"/>
-                                            </p:txEl>
-                                          </p:spTgt>
-                                        </p:tgtEl>
-                                        <p:attrNameLst>
-                                          <p:attrName>style.visibility</p:attrName>
-                                        </p:attrNameLst>
-                                      </p:cBhvr>
-                                      <p:to>
-                                        <p:strVal val="visible"/>
-                                      </p:to>
-                                    </p:set>
-                                    <p:animEffect transition="in" filter="fade">
-                                      <p:cBhvr>
-                                        <p:cTn id="18" dur="500"/>
-                                        <p:tgtEl>
-                                          <p:spTgt spid="1212">
-                                            <p:txEl>
-                                              <p:pRg st="4" end="4"/>
-                                            </p:txEl>
-                                          </p:spTgt>
-                                        </p:tgtEl>
-                                      </p:cBhvr>
-                                    </p:animEffect>
-                                  </p:childTnLst>
-                                </p:cTn>
-                              </p:par>
-                              <p:par>
-                                <p:cTn id="19" presetID="10" presetClass="entr" presetSubtype="0" fill="hold" nodeType="withEffect">
-                                  <p:stCondLst>
-                                    <p:cond delay="0"/>
-                                  </p:stCondLst>
-                                  <p:childTnLst>
-                                    <p:set>
-                                      <p:cBhvr>
-                                        <p:cTn id="20" dur="1" fill="hold">
-                                          <p:stCondLst>
-                                            <p:cond delay="0"/>
-                                          </p:stCondLst>
-                                        </p:cTn>
-                                        <p:tgtEl>
-                                          <p:spTgt spid="4"/>
-                                        </p:tgtEl>
-                                        <p:attrNameLst>
-                                          <p:attrName>style.visibility</p:attrName>
-                                        </p:attrNameLst>
-                                      </p:cBhvr>
-                                      <p:to>
-                                        <p:strVal val="visible"/>
-                                      </p:to>
-                                    </p:set>
-                                    <p:animEffect transition="in" filter="fade">
-                                      <p:cBhvr>
-                                        <p:cTn id="21" dur="500"/>
-                                        <p:tgtEl>
-                                          <p:spTgt spid="4"/>
-                                        </p:tgtEl>
-                                      </p:cBhvr>
-                                    </p:animEffect>
-                                  </p:childTnLst>
-                                </p:cTn>
-                              </p:par>
-                            </p:childTnLst>
-                          </p:cTn>
-                        </p:par>
-                      </p:childTnLst>
-                    </p:cTn>
-                  </p:par>
-                  <p:par>
-                    <p:cTn id="22" fill="hold">
-                      <p:stCondLst>
-                        <p:cond delay="indefinite"/>
-                      </p:stCondLst>
-                      <p:childTnLst>
-                        <p:par>
-                          <p:cTn id="23" fill="hold">
-                            <p:stCondLst>
-                              <p:cond delay="0"/>
-                            </p:stCondLst>
-                            <p:childTnLst>
-                              <p:par>
-                                <p:cTn id="24" presetID="10" presetClass="entr" presetSubtype="0" fill="hold" nodeType="clickEffect">
-                                  <p:stCondLst>
-                                    <p:cond delay="0"/>
-                                  </p:stCondLst>
-                                  <p:childTnLst>
-                                    <p:set>
-                                      <p:cBhvr>
-                                        <p:cTn id="25" dur="1" fill="hold">
                                           <p:stCondLst>
                                             <p:cond delay="0"/>
                                           </p:stCondLst>
@@ -19479,7 +19138,7 @@
                                     </p:set>
                                     <p:animEffect transition="in" filter="fade">
                                       <p:cBhvr>
-                                        <p:cTn id="26" dur="500"/>
+                                        <p:cTn id="7" dur="500"/>
                                         <p:tgtEl>
                                           <p:spTgt spid="5">
                                             <p:txEl>
@@ -19495,30 +19154,21 @@
                             </p:childTnLst>
                           </p:cTn>
                         </p:par>
-                      </p:childTnLst>
-                    </p:cTn>
-                  </p:par>
-                  <p:par>
-                    <p:cTn id="27" fill="hold">
-                      <p:stCondLst>
-                        <p:cond delay="indefinite"/>
-                      </p:stCondLst>
-                      <p:childTnLst>
                         <p:par>
-                          <p:cTn id="28" fill="hold">
+                          <p:cTn id="8" fill="hold">
                             <p:stCondLst>
-                              <p:cond delay="0"/>
+                              <p:cond delay="500"/>
                             </p:stCondLst>
                             <p:childTnLst>
                               <p:par>
-                                <p:cTn id="29" presetID="10" presetClass="entr" presetSubtype="0" fill="hold" nodeType="clickEffect">
+                                <p:cTn id="9" presetID="10" presetClass="entr" presetSubtype="0" fill="hold" nodeType="afterEffect">
                                   <p:stCondLst>
                                     <p:cond delay="0"/>
                                   </p:stCondLst>
                                   <p:childTnLst>
                                     <p:set>
                                       <p:cBhvr>
-                                        <p:cTn id="30" dur="1" fill="hold">
+                                        <p:cTn id="10" dur="1" fill="hold">
                                           <p:stCondLst>
                                             <p:cond delay="0"/>
                                           </p:stCondLst>
@@ -19540,7 +19190,7 @@
                                     </p:set>
                                     <p:animEffect transition="in" filter="fade">
                                       <p:cBhvr>
-                                        <p:cTn id="31" dur="500"/>
+                                        <p:cTn id="11" dur="500"/>
                                         <p:tgtEl>
                                           <p:spTgt spid="5">
                                             <p:txEl>
@@ -19556,30 +19206,21 @@
                             </p:childTnLst>
                           </p:cTn>
                         </p:par>
-                      </p:childTnLst>
-                    </p:cTn>
-                  </p:par>
-                  <p:par>
-                    <p:cTn id="32" fill="hold">
-                      <p:stCondLst>
-                        <p:cond delay="indefinite"/>
-                      </p:stCondLst>
-                      <p:childTnLst>
                         <p:par>
-                          <p:cTn id="33" fill="hold">
+                          <p:cTn id="12" fill="hold">
                             <p:stCondLst>
-                              <p:cond delay="0"/>
+                              <p:cond delay="1000"/>
                             </p:stCondLst>
                             <p:childTnLst>
                               <p:par>
-                                <p:cTn id="34" presetID="10" presetClass="entr" presetSubtype="0" fill="hold" nodeType="clickEffect">
+                                <p:cTn id="13" presetID="10" presetClass="entr" presetSubtype="0" fill="hold" nodeType="afterEffect">
                                   <p:stCondLst>
                                     <p:cond delay="0"/>
                                   </p:stCondLst>
                                   <p:childTnLst>
                                     <p:set>
                                       <p:cBhvr>
-                                        <p:cTn id="35" dur="1" fill="hold">
+                                        <p:cTn id="14" dur="1" fill="hold">
                                           <p:stCondLst>
                                             <p:cond delay="0"/>
                                           </p:stCondLst>
@@ -19601,7 +19242,7 @@
                                     </p:set>
                                     <p:animEffect transition="in" filter="fade">
                                       <p:cBhvr>
-                                        <p:cTn id="36" dur="500"/>
+                                        <p:cTn id="15" dur="500"/>
                                         <p:tgtEl>
                                           <p:spTgt spid="5">
                                             <p:txEl>
@@ -19617,30 +19258,21 @@
                             </p:childTnLst>
                           </p:cTn>
                         </p:par>
-                      </p:childTnLst>
-                    </p:cTn>
-                  </p:par>
-                  <p:par>
-                    <p:cTn id="37" fill="hold">
-                      <p:stCondLst>
-                        <p:cond delay="indefinite"/>
-                      </p:stCondLst>
-                      <p:childTnLst>
                         <p:par>
-                          <p:cTn id="38" fill="hold">
+                          <p:cTn id="16" fill="hold">
                             <p:stCondLst>
-                              <p:cond delay="0"/>
+                              <p:cond delay="1500"/>
                             </p:stCondLst>
                             <p:childTnLst>
                               <p:par>
-                                <p:cTn id="39" presetID="10" presetClass="entr" presetSubtype="0" fill="hold" nodeType="clickEffect">
+                                <p:cTn id="17" presetID="10" presetClass="entr" presetSubtype="0" fill="hold" nodeType="afterEffect">
                                   <p:stCondLst>
                                     <p:cond delay="0"/>
                                   </p:stCondLst>
                                   <p:childTnLst>
                                     <p:set>
                                       <p:cBhvr>
-                                        <p:cTn id="40" dur="1" fill="hold">
+                                        <p:cTn id="18" dur="1" fill="hold">
                                           <p:stCondLst>
                                             <p:cond delay="0"/>
                                           </p:stCondLst>
@@ -19662,7 +19294,7 @@
                                     </p:set>
                                     <p:animEffect transition="in" filter="fade">
                                       <p:cBhvr>
-                                        <p:cTn id="41" dur="500"/>
+                                        <p:cTn id="19" dur="500"/>
                                         <p:tgtEl>
                                           <p:spTgt spid="5">
                                             <p:txEl>
@@ -19678,30 +19310,21 @@
                             </p:childTnLst>
                           </p:cTn>
                         </p:par>
-                      </p:childTnLst>
-                    </p:cTn>
-                  </p:par>
-                  <p:par>
-                    <p:cTn id="42" fill="hold">
-                      <p:stCondLst>
-                        <p:cond delay="indefinite"/>
-                      </p:stCondLst>
-                      <p:childTnLst>
                         <p:par>
-                          <p:cTn id="43" fill="hold">
+                          <p:cTn id="20" fill="hold">
                             <p:stCondLst>
-                              <p:cond delay="0"/>
+                              <p:cond delay="2000"/>
                             </p:stCondLst>
                             <p:childTnLst>
                               <p:par>
-                                <p:cTn id="44" presetID="10" presetClass="entr" presetSubtype="0" fill="hold" nodeType="clickEffect">
+                                <p:cTn id="21" presetID="10" presetClass="entr" presetSubtype="0" fill="hold" nodeType="afterEffect">
                                   <p:stCondLst>
                                     <p:cond delay="0"/>
                                   </p:stCondLst>
                                   <p:childTnLst>
                                     <p:set>
                                       <p:cBhvr>
-                                        <p:cTn id="45" dur="1" fill="hold">
+                                        <p:cTn id="22" dur="1" fill="hold">
                                           <p:stCondLst>
                                             <p:cond delay="0"/>
                                           </p:stCondLst>
@@ -19723,7 +19346,7 @@
                                     </p:set>
                                     <p:animEffect transition="in" filter="fade">
                                       <p:cBhvr>
-                                        <p:cTn id="46" dur="500"/>
+                                        <p:cTn id="23" dur="500"/>
                                         <p:tgtEl>
                                           <p:spTgt spid="6">
                                             <p:txEl>
@@ -19739,30 +19362,21 @@
                             </p:childTnLst>
                           </p:cTn>
                         </p:par>
-                      </p:childTnLst>
-                    </p:cTn>
-                  </p:par>
-                  <p:par>
-                    <p:cTn id="47" fill="hold">
-                      <p:stCondLst>
-                        <p:cond delay="indefinite"/>
-                      </p:stCondLst>
-                      <p:childTnLst>
                         <p:par>
-                          <p:cTn id="48" fill="hold">
+                          <p:cTn id="24" fill="hold">
                             <p:stCondLst>
-                              <p:cond delay="0"/>
+                              <p:cond delay="2500"/>
                             </p:stCondLst>
                             <p:childTnLst>
                               <p:par>
-                                <p:cTn id="49" presetID="10" presetClass="entr" presetSubtype="0" fill="hold" nodeType="clickEffect">
+                                <p:cTn id="25" presetID="10" presetClass="entr" presetSubtype="0" fill="hold" nodeType="afterEffect">
                                   <p:stCondLst>
                                     <p:cond delay="0"/>
                                   </p:stCondLst>
                                   <p:childTnLst>
                                     <p:set>
                                       <p:cBhvr>
-                                        <p:cTn id="50" dur="1" fill="hold">
+                                        <p:cTn id="26" dur="1" fill="hold">
                                           <p:stCondLst>
                                             <p:cond delay="0"/>
                                           </p:stCondLst>
@@ -19784,7 +19398,7 @@
                                     </p:set>
                                     <p:animEffect transition="in" filter="fade">
                                       <p:cBhvr>
-                                        <p:cTn id="51" dur="500"/>
+                                        <p:cTn id="27" dur="500"/>
                                         <p:tgtEl>
                                           <p:spTgt spid="6">
                                             <p:txEl>
@@ -19800,30 +19414,21 @@
                             </p:childTnLst>
                           </p:cTn>
                         </p:par>
-                      </p:childTnLst>
-                    </p:cTn>
-                  </p:par>
-                  <p:par>
-                    <p:cTn id="52" fill="hold">
-                      <p:stCondLst>
-                        <p:cond delay="indefinite"/>
-                      </p:stCondLst>
-                      <p:childTnLst>
                         <p:par>
-                          <p:cTn id="53" fill="hold">
+                          <p:cTn id="28" fill="hold">
                             <p:stCondLst>
-                              <p:cond delay="0"/>
+                              <p:cond delay="3000"/>
                             </p:stCondLst>
                             <p:childTnLst>
                               <p:par>
-                                <p:cTn id="54" presetID="10" presetClass="entr" presetSubtype="0" fill="hold" nodeType="clickEffect">
+                                <p:cTn id="29" presetID="10" presetClass="entr" presetSubtype="0" fill="hold" nodeType="afterEffect">
                                   <p:stCondLst>
                                     <p:cond delay="0"/>
                                   </p:stCondLst>
                                   <p:childTnLst>
                                     <p:set>
                                       <p:cBhvr>
-                                        <p:cTn id="55" dur="1" fill="hold">
+                                        <p:cTn id="30" dur="1" fill="hold">
                                           <p:stCondLst>
                                             <p:cond delay="0"/>
                                           </p:stCondLst>
@@ -19845,7 +19450,7 @@
                                     </p:set>
                                     <p:animEffect transition="in" filter="fade">
                                       <p:cBhvr>
-                                        <p:cTn id="56" dur="500"/>
+                                        <p:cTn id="31" dur="500"/>
                                         <p:tgtEl>
                                           <p:spTgt spid="6">
                                             <p:txEl>
@@ -19861,30 +19466,21 @@
                             </p:childTnLst>
                           </p:cTn>
                         </p:par>
-                      </p:childTnLst>
-                    </p:cTn>
-                  </p:par>
-                  <p:par>
-                    <p:cTn id="57" fill="hold">
-                      <p:stCondLst>
-                        <p:cond delay="indefinite"/>
-                      </p:stCondLst>
-                      <p:childTnLst>
                         <p:par>
-                          <p:cTn id="58" fill="hold">
+                          <p:cTn id="32" fill="hold">
                             <p:stCondLst>
-                              <p:cond delay="0"/>
+                              <p:cond delay="3500"/>
                             </p:stCondLst>
                             <p:childTnLst>
                               <p:par>
-                                <p:cTn id="59" presetID="10" presetClass="entr" presetSubtype="0" fill="hold" nodeType="clickEffect">
+                                <p:cTn id="33" presetID="10" presetClass="entr" presetSubtype="0" fill="hold" nodeType="afterEffect">
                                   <p:stCondLst>
                                     <p:cond delay="0"/>
                                   </p:stCondLst>
                                   <p:childTnLst>
                                     <p:set>
                                       <p:cBhvr>
-                                        <p:cTn id="60" dur="1" fill="hold">
+                                        <p:cTn id="34" dur="1" fill="hold">
                                           <p:stCondLst>
                                             <p:cond delay="0"/>
                                           </p:stCondLst>
@@ -19906,7 +19502,7 @@
                                     </p:set>
                                     <p:animEffect transition="in" filter="fade">
                                       <p:cBhvr>
-                                        <p:cTn id="61" dur="500"/>
+                                        <p:cTn id="35" dur="500"/>
                                         <p:tgtEl>
                                           <p:spTgt spid="6">
                                             <p:txEl>
@@ -19946,9 +19542,6 @@
         </p:cTn>
       </p:par>
     </p:tnLst>
-    <p:bldLst>
-      <p:bldP spid="1212" grpId="0" uiExpand="1" build="p"/>
-    </p:bldLst>
   </p:timing>
 </p:sld>
 </file>
@@ -20039,10 +19632,10 @@
       </p:sp>
       <p:pic>
         <p:nvPicPr>
-          <p:cNvPr id="3" name="Grafik 2" descr="Datenbank mit einfarbiger Füllung">
+          <p:cNvPr id="12" name="Grafik 11" descr="Ein Bild, das Text, Screenshot, Diagramm, Schrift enthält.&#10;&#10;KI-generierte Inhalte können fehlerhaft sein.">
             <a:extLst>
               <a:ext uri="{FF2B5EF4-FFF2-40B4-BE49-F238E27FC236}">
-                <a16:creationId xmlns:a16="http://schemas.microsoft.com/office/drawing/2014/main" id="{EFFE409D-DDA0-CB0B-C01B-F06E6327AB55}"/>
+                <a16:creationId xmlns:a16="http://schemas.microsoft.com/office/drawing/2014/main" id="{478FBD93-36FE-FC0B-DC86-49F966DC30D4}"/>
               </a:ext>
             </a:extLst>
           </p:cNvPr>
@@ -20052,2386 +19645,15 @@
           <p:nvPr/>
         </p:nvPicPr>
         <p:blipFill>
-          <a:blip r:embed="rId3">
-            <a:extLst>
-              <a:ext uri="{96DAC541-7B7A-43D3-8B79-37D633B846F1}">
-                <asvg:svgBlip xmlns:asvg="http://schemas.microsoft.com/office/drawing/2016/SVG/main" r:embed="rId4"/>
-              </a:ext>
-            </a:extLst>
-          </a:blip>
+          <a:blip r:embed="rId3"/>
           <a:stretch>
             <a:fillRect/>
           </a:stretch>
         </p:blipFill>
         <p:spPr>
           <a:xfrm>
-            <a:off x="735501" y="1894506"/>
-            <a:ext cx="720000" cy="720000"/>
-          </a:xfrm>
-          <a:prstGeom prst="rect">
-            <a:avLst/>
-          </a:prstGeom>
-        </p:spPr>
-      </p:pic>
-      <p:pic>
-        <p:nvPicPr>
-          <p:cNvPr id="4" name="Grafik 3" descr="Datenbank mit einfarbiger Füllung">
-            <a:extLst>
-              <a:ext uri="{FF2B5EF4-FFF2-40B4-BE49-F238E27FC236}">
-                <a16:creationId xmlns:a16="http://schemas.microsoft.com/office/drawing/2014/main" id="{04DBE94A-FF6F-8B4B-91DA-9D3F10B5E130}"/>
-              </a:ext>
-            </a:extLst>
-          </p:cNvPr>
-          <p:cNvPicPr>
-            <a:picLocks noChangeAspect="1"/>
-          </p:cNvPicPr>
-          <p:nvPr/>
-        </p:nvPicPr>
-        <p:blipFill>
-          <a:blip r:embed="rId3">
-            <a:extLst>
-              <a:ext uri="{96DAC541-7B7A-43D3-8B79-37D633B846F1}">
-                <asvg:svgBlip xmlns:asvg="http://schemas.microsoft.com/office/drawing/2016/SVG/main" r:embed="rId4"/>
-              </a:ext>
-            </a:extLst>
-          </a:blip>
-          <a:stretch>
-            <a:fillRect/>
-          </a:stretch>
-        </p:blipFill>
-        <p:spPr>
-          <a:xfrm>
-            <a:off x="735501" y="2602140"/>
-            <a:ext cx="720000" cy="720000"/>
-          </a:xfrm>
-          <a:prstGeom prst="rect">
-            <a:avLst/>
-          </a:prstGeom>
-        </p:spPr>
-      </p:pic>
-      <p:pic>
-        <p:nvPicPr>
-          <p:cNvPr id="5" name="Grafik 4" descr="Datenbank mit einfarbiger Füllung">
-            <a:extLst>
-              <a:ext uri="{FF2B5EF4-FFF2-40B4-BE49-F238E27FC236}">
-                <a16:creationId xmlns:a16="http://schemas.microsoft.com/office/drawing/2014/main" id="{7F84A574-55C8-18C2-525E-271BE7A03A6D}"/>
-              </a:ext>
-            </a:extLst>
-          </p:cNvPr>
-          <p:cNvPicPr>
-            <a:picLocks noChangeAspect="1"/>
-          </p:cNvPicPr>
-          <p:nvPr/>
-        </p:nvPicPr>
-        <p:blipFill>
-          <a:blip r:embed="rId3">
-            <a:extLst>
-              <a:ext uri="{96DAC541-7B7A-43D3-8B79-37D633B846F1}">
-                <asvg:svgBlip xmlns:asvg="http://schemas.microsoft.com/office/drawing/2016/SVG/main" r:embed="rId4"/>
-              </a:ext>
-            </a:extLst>
-          </a:blip>
-          <a:stretch>
-            <a:fillRect/>
-          </a:stretch>
-        </p:blipFill>
-        <p:spPr>
-          <a:xfrm>
-            <a:off x="735501" y="3309775"/>
-            <a:ext cx="720000" cy="720000"/>
-          </a:xfrm>
-          <a:prstGeom prst="rect">
-            <a:avLst/>
-          </a:prstGeom>
-        </p:spPr>
-      </p:pic>
-      <p:pic>
-        <p:nvPicPr>
-          <p:cNvPr id="6" name="Grafik 5" descr="Datenbank mit einfarbiger Füllung">
-            <a:extLst>
-              <a:ext uri="{FF2B5EF4-FFF2-40B4-BE49-F238E27FC236}">
-                <a16:creationId xmlns:a16="http://schemas.microsoft.com/office/drawing/2014/main" id="{CEB142CE-B517-8279-E0C6-4CE8A020F016}"/>
-              </a:ext>
-            </a:extLst>
-          </p:cNvPr>
-          <p:cNvPicPr>
-            <a:picLocks noChangeAspect="1"/>
-          </p:cNvPicPr>
-          <p:nvPr/>
-        </p:nvPicPr>
-        <p:blipFill>
-          <a:blip r:embed="rId3">
-            <a:extLst>
-              <a:ext uri="{96DAC541-7B7A-43D3-8B79-37D633B846F1}">
-                <asvg:svgBlip xmlns:asvg="http://schemas.microsoft.com/office/drawing/2016/SVG/main" r:embed="rId4"/>
-              </a:ext>
-            </a:extLst>
-          </a:blip>
-          <a:stretch>
-            <a:fillRect/>
-          </a:stretch>
-        </p:blipFill>
-        <p:spPr>
-          <a:xfrm>
-            <a:off x="735501" y="1186872"/>
-            <a:ext cx="720000" cy="720000"/>
-          </a:xfrm>
-          <a:prstGeom prst="rect">
-            <a:avLst/>
-          </a:prstGeom>
-        </p:spPr>
-      </p:pic>
-      <p:sp>
-        <p:nvSpPr>
-          <p:cNvPr id="7" name="Flussdiagramm: Alternativer Prozess 6">
-            <a:extLst>
-              <a:ext uri="{FF2B5EF4-FFF2-40B4-BE49-F238E27FC236}">
-                <a16:creationId xmlns:a16="http://schemas.microsoft.com/office/drawing/2014/main" id="{2744CE6A-8B84-1B4E-1AC8-93E2140C8CCC}"/>
-              </a:ext>
-            </a:extLst>
-          </p:cNvPr>
-          <p:cNvSpPr/>
-          <p:nvPr/>
-        </p:nvSpPr>
-        <p:spPr>
-          <a:xfrm>
-            <a:off x="1882374" y="1260522"/>
-            <a:ext cx="1596325" cy="572700"/>
-          </a:xfrm>
-          <a:prstGeom prst="flowChartAlternateProcess">
-            <a:avLst/>
-          </a:prstGeom>
-          <a:ln>
-            <a:solidFill>
-              <a:schemeClr val="tx1"/>
-            </a:solidFill>
-          </a:ln>
-        </p:spPr>
-        <p:style>
-          <a:lnRef idx="2">
-            <a:schemeClr val="accent6"/>
-          </a:lnRef>
-          <a:fillRef idx="1">
-            <a:schemeClr val="lt1"/>
-          </a:fillRef>
-          <a:effectRef idx="0">
-            <a:schemeClr val="accent6"/>
-          </a:effectRef>
-          <a:fontRef idx="minor">
-            <a:schemeClr val="dk1"/>
-          </a:fontRef>
-        </p:style>
-        <p:txBody>
-          <a:bodyPr rtlCol="0" anchor="ctr"/>
-          <a:lstStyle/>
-          <a:p>
-            <a:pPr algn="ctr"/>
-            <a:r>
-              <a:rPr lang="en-US" dirty="0"/>
-              <a:t>Car Insurance Service</a:t>
-            </a:r>
-          </a:p>
-        </p:txBody>
-      </p:sp>
-      <p:sp>
-        <p:nvSpPr>
-          <p:cNvPr id="8" name="Flussdiagramm: Alternativer Prozess 7">
-            <a:extLst>
-              <a:ext uri="{FF2B5EF4-FFF2-40B4-BE49-F238E27FC236}">
-                <a16:creationId xmlns:a16="http://schemas.microsoft.com/office/drawing/2014/main" id="{94629C48-17C2-B5DD-AAE5-1685C6E738CE}"/>
-              </a:ext>
-            </a:extLst>
-          </p:cNvPr>
-          <p:cNvSpPr/>
-          <p:nvPr/>
-        </p:nvSpPr>
-        <p:spPr>
-          <a:xfrm>
-            <a:off x="1882374" y="2681973"/>
-            <a:ext cx="1596325" cy="572700"/>
-          </a:xfrm>
-          <a:prstGeom prst="flowChartAlternateProcess">
-            <a:avLst/>
-          </a:prstGeom>
-          <a:ln>
-            <a:solidFill>
-              <a:schemeClr val="tx1"/>
-            </a:solidFill>
-          </a:ln>
-        </p:spPr>
-        <p:style>
-          <a:lnRef idx="2">
-            <a:schemeClr val="accent6"/>
-          </a:lnRef>
-          <a:fillRef idx="1">
-            <a:schemeClr val="lt1"/>
-          </a:fillRef>
-          <a:effectRef idx="0">
-            <a:schemeClr val="accent6"/>
-          </a:effectRef>
-          <a:fontRef idx="minor">
-            <a:schemeClr val="dk1"/>
-          </a:fontRef>
-        </p:style>
-        <p:txBody>
-          <a:bodyPr rtlCol="0" anchor="ctr"/>
-          <a:lstStyle/>
-          <a:p>
-            <a:pPr algn="ctr"/>
-            <a:r>
-              <a:rPr lang="en-US" dirty="0"/>
-              <a:t>House Insurance Service</a:t>
-            </a:r>
-          </a:p>
-        </p:txBody>
-      </p:sp>
-      <p:sp>
-        <p:nvSpPr>
-          <p:cNvPr id="9" name="Flussdiagramm: Alternativer Prozess 8">
-            <a:extLst>
-              <a:ext uri="{FF2B5EF4-FFF2-40B4-BE49-F238E27FC236}">
-                <a16:creationId xmlns:a16="http://schemas.microsoft.com/office/drawing/2014/main" id="{2A725F2A-22FA-474C-6ABA-AA70E8121BFF}"/>
-              </a:ext>
-            </a:extLst>
-          </p:cNvPr>
-          <p:cNvSpPr/>
-          <p:nvPr/>
-        </p:nvSpPr>
-        <p:spPr>
-          <a:xfrm>
-            <a:off x="1897871" y="3389607"/>
-            <a:ext cx="1596325" cy="572700"/>
-          </a:xfrm>
-          <a:prstGeom prst="flowChartAlternateProcess">
-            <a:avLst/>
-          </a:prstGeom>
-          <a:ln>
-            <a:solidFill>
-              <a:schemeClr val="tx1"/>
-            </a:solidFill>
-          </a:ln>
-        </p:spPr>
-        <p:style>
-          <a:lnRef idx="2">
-            <a:schemeClr val="accent6"/>
-          </a:lnRef>
-          <a:fillRef idx="1">
-            <a:schemeClr val="lt1"/>
-          </a:fillRef>
-          <a:effectRef idx="0">
-            <a:schemeClr val="accent6"/>
-          </a:effectRef>
-          <a:fontRef idx="minor">
-            <a:schemeClr val="dk1"/>
-          </a:fontRef>
-        </p:style>
-        <p:txBody>
-          <a:bodyPr rtlCol="0" anchor="ctr"/>
-          <a:lstStyle/>
-          <a:p>
-            <a:pPr algn="ctr"/>
-            <a:r>
-              <a:rPr lang="en-US" dirty="0"/>
-              <a:t>Banking Service</a:t>
-            </a:r>
-          </a:p>
-        </p:txBody>
-      </p:sp>
-      <p:sp>
-        <p:nvSpPr>
-          <p:cNvPr id="10" name="Flussdiagramm: Alternativer Prozess 9">
-            <a:extLst>
-              <a:ext uri="{FF2B5EF4-FFF2-40B4-BE49-F238E27FC236}">
-                <a16:creationId xmlns:a16="http://schemas.microsoft.com/office/drawing/2014/main" id="{FC1FB5F0-2049-4E2A-95D2-BFA6238D2A8C}"/>
-              </a:ext>
-            </a:extLst>
-          </p:cNvPr>
-          <p:cNvSpPr/>
-          <p:nvPr/>
-        </p:nvSpPr>
-        <p:spPr>
-          <a:xfrm>
-            <a:off x="1882373" y="1968156"/>
-            <a:ext cx="1596325" cy="572700"/>
-          </a:xfrm>
-          <a:prstGeom prst="flowChartAlternateProcess">
-            <a:avLst/>
-          </a:prstGeom>
-          <a:ln>
-            <a:solidFill>
-              <a:schemeClr val="tx1"/>
-            </a:solidFill>
-          </a:ln>
-        </p:spPr>
-        <p:style>
-          <a:lnRef idx="2">
-            <a:schemeClr val="accent6"/>
-          </a:lnRef>
-          <a:fillRef idx="1">
-            <a:schemeClr val="lt1"/>
-          </a:fillRef>
-          <a:effectRef idx="0">
-            <a:schemeClr val="accent6"/>
-          </a:effectRef>
-          <a:fontRef idx="minor">
-            <a:schemeClr val="dk1"/>
-          </a:fontRef>
-        </p:style>
-        <p:txBody>
-          <a:bodyPr rtlCol="0" anchor="ctr"/>
-          <a:lstStyle/>
-          <a:p>
-            <a:pPr algn="ctr"/>
-            <a:r>
-              <a:rPr lang="en-US" dirty="0"/>
-              <a:t>Health Insurance Service</a:t>
-            </a:r>
-          </a:p>
-        </p:txBody>
-      </p:sp>
-      <p:sp>
-        <p:nvSpPr>
-          <p:cNvPr id="11" name="Rechteck 10">
-            <a:extLst>
-              <a:ext uri="{FF2B5EF4-FFF2-40B4-BE49-F238E27FC236}">
-                <a16:creationId xmlns:a16="http://schemas.microsoft.com/office/drawing/2014/main" id="{2AF96722-5E29-14E7-68B8-4E91E23F0E8F}"/>
-              </a:ext>
-            </a:extLst>
-          </p:cNvPr>
-          <p:cNvSpPr/>
-          <p:nvPr/>
-        </p:nvSpPr>
-        <p:spPr>
-          <a:xfrm>
-            <a:off x="596016" y="1124881"/>
-            <a:ext cx="960895" cy="3135902"/>
-          </a:xfrm>
-          <a:prstGeom prst="rect">
-            <a:avLst/>
-          </a:prstGeom>
-          <a:noFill/>
-          <a:ln>
-            <a:solidFill>
-              <a:schemeClr val="tx1"/>
-            </a:solidFill>
-          </a:ln>
-        </p:spPr>
-        <p:style>
-          <a:lnRef idx="2">
-            <a:schemeClr val="accent1">
-              <a:shade val="15000"/>
-            </a:schemeClr>
-          </a:lnRef>
-          <a:fillRef idx="1">
-            <a:schemeClr val="accent1"/>
-          </a:fillRef>
-          <a:effectRef idx="0">
-            <a:schemeClr val="accent1"/>
-          </a:effectRef>
-          <a:fontRef idx="minor">
-            <a:schemeClr val="lt1"/>
-          </a:fontRef>
-        </p:style>
-        <p:txBody>
-          <a:bodyPr rtlCol="0" anchor="b"/>
-          <a:lstStyle/>
-          <a:p>
-            <a:pPr algn="ctr"/>
-            <a:r>
-              <a:rPr lang="en-US" sz="1200" dirty="0">
-                <a:solidFill>
-                  <a:schemeClr val="tx1"/>
-                </a:solidFill>
-              </a:rPr>
-              <a:t>Data Layer</a:t>
-            </a:r>
-          </a:p>
-        </p:txBody>
-      </p:sp>
-      <p:sp>
-        <p:nvSpPr>
-          <p:cNvPr id="13" name="Rechteck 12">
-            <a:extLst>
-              <a:ext uri="{FF2B5EF4-FFF2-40B4-BE49-F238E27FC236}">
-                <a16:creationId xmlns:a16="http://schemas.microsoft.com/office/drawing/2014/main" id="{593FA211-8830-9F7C-E950-378F98C98052}"/>
-              </a:ext>
-            </a:extLst>
-          </p:cNvPr>
-          <p:cNvSpPr/>
-          <p:nvPr/>
-        </p:nvSpPr>
-        <p:spPr>
-          <a:xfrm>
-            <a:off x="1797133" y="1124881"/>
-            <a:ext cx="1759058" cy="3135902"/>
-          </a:xfrm>
-          <a:prstGeom prst="rect">
-            <a:avLst/>
-          </a:prstGeom>
-          <a:noFill/>
-          <a:ln>
-            <a:solidFill>
-              <a:schemeClr val="tx1"/>
-            </a:solidFill>
-          </a:ln>
-        </p:spPr>
-        <p:style>
-          <a:lnRef idx="2">
-            <a:schemeClr val="accent1">
-              <a:shade val="15000"/>
-            </a:schemeClr>
-          </a:lnRef>
-          <a:fillRef idx="1">
-            <a:schemeClr val="accent1"/>
-          </a:fillRef>
-          <a:effectRef idx="0">
-            <a:schemeClr val="accent1"/>
-          </a:effectRef>
-          <a:fontRef idx="minor">
-            <a:schemeClr val="lt1"/>
-          </a:fontRef>
-        </p:style>
-        <p:txBody>
-          <a:bodyPr rtlCol="0" anchor="b"/>
-          <a:lstStyle/>
-          <a:p>
-            <a:pPr algn="ctr"/>
-            <a:r>
-              <a:rPr lang="en-US" sz="1200" dirty="0">
-                <a:solidFill>
-                  <a:schemeClr val="tx1"/>
-                </a:solidFill>
-              </a:rPr>
-              <a:t>   Service Layer</a:t>
-            </a:r>
-          </a:p>
-        </p:txBody>
-      </p:sp>
-      <p:sp>
-        <p:nvSpPr>
-          <p:cNvPr id="14" name="Flussdiagramm: Alternativer Prozess 13">
-            <a:extLst>
-              <a:ext uri="{FF2B5EF4-FFF2-40B4-BE49-F238E27FC236}">
-                <a16:creationId xmlns:a16="http://schemas.microsoft.com/office/drawing/2014/main" id="{1DD91FCB-DA33-7023-D786-4DF8E6795E91}"/>
-              </a:ext>
-            </a:extLst>
-          </p:cNvPr>
-          <p:cNvSpPr/>
-          <p:nvPr/>
-        </p:nvSpPr>
-        <p:spPr>
-          <a:xfrm>
-            <a:off x="4172251" y="2273750"/>
-            <a:ext cx="1596325" cy="572700"/>
-          </a:xfrm>
-          <a:prstGeom prst="flowChartAlternateProcess">
-            <a:avLst/>
-          </a:prstGeom>
-          <a:ln>
-            <a:solidFill>
-              <a:schemeClr val="tx1"/>
-            </a:solidFill>
-          </a:ln>
-        </p:spPr>
-        <p:style>
-          <a:lnRef idx="2">
-            <a:schemeClr val="accent6"/>
-          </a:lnRef>
-          <a:fillRef idx="1">
-            <a:schemeClr val="lt1"/>
-          </a:fillRef>
-          <a:effectRef idx="0">
-            <a:schemeClr val="accent6"/>
-          </a:effectRef>
-          <a:fontRef idx="minor">
-            <a:schemeClr val="dk1"/>
-          </a:fontRef>
-        </p:style>
-        <p:txBody>
-          <a:bodyPr rtlCol="0" anchor="ctr"/>
-          <a:lstStyle/>
-          <a:p>
-            <a:pPr algn="ctr"/>
-            <a:r>
-              <a:rPr lang="en-US" dirty="0"/>
-              <a:t>Core Service</a:t>
-            </a:r>
-          </a:p>
-        </p:txBody>
-      </p:sp>
-      <p:sp>
-        <p:nvSpPr>
-          <p:cNvPr id="15" name="Rechteck 14">
-            <a:extLst>
-              <a:ext uri="{FF2B5EF4-FFF2-40B4-BE49-F238E27FC236}">
-                <a16:creationId xmlns:a16="http://schemas.microsoft.com/office/drawing/2014/main" id="{C45CBFBD-9CC3-FF7C-7CE5-9B6D58AA943D}"/>
-              </a:ext>
-            </a:extLst>
-          </p:cNvPr>
-          <p:cNvSpPr/>
-          <p:nvPr/>
-        </p:nvSpPr>
-        <p:spPr>
-          <a:xfrm>
-            <a:off x="4090884" y="1186872"/>
-            <a:ext cx="1759058" cy="2657771"/>
-          </a:xfrm>
-          <a:prstGeom prst="rect">
-            <a:avLst/>
-          </a:prstGeom>
-          <a:noFill/>
-          <a:ln>
-            <a:solidFill>
-              <a:schemeClr val="tx1"/>
-            </a:solidFill>
-          </a:ln>
-        </p:spPr>
-        <p:style>
-          <a:lnRef idx="2">
-            <a:schemeClr val="accent1">
-              <a:shade val="15000"/>
-            </a:schemeClr>
-          </a:lnRef>
-          <a:fillRef idx="1">
-            <a:schemeClr val="accent1"/>
-          </a:fillRef>
-          <a:effectRef idx="0">
-            <a:schemeClr val="accent1"/>
-          </a:effectRef>
-          <a:fontRef idx="minor">
-            <a:schemeClr val="lt1"/>
-          </a:fontRef>
-        </p:style>
-        <p:txBody>
-          <a:bodyPr rtlCol="0" anchor="b"/>
-          <a:lstStyle/>
-          <a:p>
-            <a:pPr algn="ctr"/>
-            <a:r>
-              <a:rPr lang="en-US" sz="1200" dirty="0">
-                <a:solidFill>
-                  <a:schemeClr val="tx1"/>
-                </a:solidFill>
-              </a:rPr>
-              <a:t>BFF Layer</a:t>
-            </a:r>
-          </a:p>
-        </p:txBody>
-      </p:sp>
-      <p:sp>
-        <p:nvSpPr>
-          <p:cNvPr id="16" name="Rechteck 15">
-            <a:extLst>
-              <a:ext uri="{FF2B5EF4-FFF2-40B4-BE49-F238E27FC236}">
-                <a16:creationId xmlns:a16="http://schemas.microsoft.com/office/drawing/2014/main" id="{B43B137B-2B89-B82A-FE5C-A35DC8ABD42F}"/>
-              </a:ext>
-            </a:extLst>
-          </p:cNvPr>
-          <p:cNvSpPr/>
-          <p:nvPr/>
-        </p:nvSpPr>
-        <p:spPr>
-          <a:xfrm>
-            <a:off x="4036636" y="123986"/>
-            <a:ext cx="4032812" cy="905673"/>
-          </a:xfrm>
-          <a:prstGeom prst="rect">
-            <a:avLst/>
-          </a:prstGeom>
-          <a:noFill/>
-          <a:ln>
-            <a:solidFill>
-              <a:schemeClr val="tx1"/>
-            </a:solidFill>
-          </a:ln>
-        </p:spPr>
-        <p:style>
-          <a:lnRef idx="2">
-            <a:schemeClr val="accent1">
-              <a:shade val="15000"/>
-            </a:schemeClr>
-          </a:lnRef>
-          <a:fillRef idx="1">
-            <a:schemeClr val="accent1"/>
-          </a:fillRef>
-          <a:effectRef idx="0">
-            <a:schemeClr val="accent1"/>
-          </a:effectRef>
-          <a:fontRef idx="minor">
-            <a:schemeClr val="lt1"/>
-          </a:fontRef>
-        </p:style>
-        <p:txBody>
-          <a:bodyPr rtlCol="0" anchor="b"/>
-          <a:lstStyle/>
-          <a:p>
-            <a:pPr algn="ctr"/>
-            <a:r>
-              <a:rPr lang="en-US" sz="1200" dirty="0">
-                <a:solidFill>
-                  <a:schemeClr val="tx1"/>
-                </a:solidFill>
-              </a:rPr>
-              <a:t>Event Streaming Layer</a:t>
-            </a:r>
-          </a:p>
-        </p:txBody>
-      </p:sp>
-      <p:sp>
-        <p:nvSpPr>
-          <p:cNvPr id="17" name="Flussdiagramm: Alternativer Prozess 16">
-            <a:extLst>
-              <a:ext uri="{FF2B5EF4-FFF2-40B4-BE49-F238E27FC236}">
-                <a16:creationId xmlns:a16="http://schemas.microsoft.com/office/drawing/2014/main" id="{9C05BB57-5AE8-152E-6560-FCF8A5E51B99}"/>
-              </a:ext>
-            </a:extLst>
-          </p:cNvPr>
-          <p:cNvSpPr/>
-          <p:nvPr/>
-        </p:nvSpPr>
-        <p:spPr>
-          <a:xfrm>
-            <a:off x="4199369" y="197095"/>
-            <a:ext cx="1596325" cy="572700"/>
-          </a:xfrm>
-          <a:prstGeom prst="flowChartAlternateProcess">
-            <a:avLst/>
-          </a:prstGeom>
-          <a:ln>
-            <a:solidFill>
-              <a:schemeClr val="tx1"/>
-            </a:solidFill>
-          </a:ln>
-        </p:spPr>
-        <p:style>
-          <a:lnRef idx="2">
-            <a:schemeClr val="accent6"/>
-          </a:lnRef>
-          <a:fillRef idx="1">
-            <a:schemeClr val="lt1"/>
-          </a:fillRef>
-          <a:effectRef idx="0">
-            <a:schemeClr val="accent6"/>
-          </a:effectRef>
-          <a:fontRef idx="minor">
-            <a:schemeClr val="dk1"/>
-          </a:fontRef>
-        </p:style>
-        <p:txBody>
-          <a:bodyPr rtlCol="0" anchor="ctr"/>
-          <a:lstStyle/>
-          <a:p>
-            <a:pPr algn="ctr"/>
-            <a:r>
-              <a:rPr lang="en-US" dirty="0"/>
-              <a:t>Kafka</a:t>
-            </a:r>
-          </a:p>
-        </p:txBody>
-      </p:sp>
-      <p:sp>
-        <p:nvSpPr>
-          <p:cNvPr id="18" name="Flussdiagramm: Alternativer Prozess 17">
-            <a:extLst>
-              <a:ext uri="{FF2B5EF4-FFF2-40B4-BE49-F238E27FC236}">
-                <a16:creationId xmlns:a16="http://schemas.microsoft.com/office/drawing/2014/main" id="{D07502C6-F23F-17E9-3904-FC82DD3376AB}"/>
-              </a:ext>
-            </a:extLst>
-          </p:cNvPr>
-          <p:cNvSpPr/>
-          <p:nvPr/>
-        </p:nvSpPr>
-        <p:spPr>
-          <a:xfrm>
-            <a:off x="6215440" y="197095"/>
-            <a:ext cx="1596325" cy="572700"/>
-          </a:xfrm>
-          <a:prstGeom prst="flowChartAlternateProcess">
-            <a:avLst/>
-          </a:prstGeom>
-          <a:ln>
-            <a:solidFill>
-              <a:schemeClr val="tx1"/>
-            </a:solidFill>
-          </a:ln>
-        </p:spPr>
-        <p:style>
-          <a:lnRef idx="2">
-            <a:schemeClr val="accent6"/>
-          </a:lnRef>
-          <a:fillRef idx="1">
-            <a:schemeClr val="lt1"/>
-          </a:fillRef>
-          <a:effectRef idx="0">
-            <a:schemeClr val="accent6"/>
-          </a:effectRef>
-          <a:fontRef idx="minor">
-            <a:schemeClr val="dk1"/>
-          </a:fontRef>
-        </p:style>
-        <p:txBody>
-          <a:bodyPr rtlCol="0" anchor="ctr"/>
-          <a:lstStyle/>
-          <a:p>
-            <a:pPr algn="ctr"/>
-            <a:r>
-              <a:rPr lang="en-US" dirty="0"/>
-              <a:t>Zookeeper</a:t>
-            </a:r>
-          </a:p>
-        </p:txBody>
-      </p:sp>
-      <p:sp>
-        <p:nvSpPr>
-          <p:cNvPr id="19" name="Rechteck 18">
-            <a:extLst>
-              <a:ext uri="{FF2B5EF4-FFF2-40B4-BE49-F238E27FC236}">
-                <a16:creationId xmlns:a16="http://schemas.microsoft.com/office/drawing/2014/main" id="{D024B736-8909-5260-A765-2CE583A9590B}"/>
-              </a:ext>
-            </a:extLst>
-          </p:cNvPr>
-          <p:cNvSpPr/>
-          <p:nvPr/>
-        </p:nvSpPr>
-        <p:spPr>
-          <a:xfrm>
-            <a:off x="6285232" y="1186872"/>
-            <a:ext cx="1759058" cy="2657772"/>
-          </a:xfrm>
-          <a:prstGeom prst="rect">
-            <a:avLst/>
-          </a:prstGeom>
-          <a:noFill/>
-          <a:ln>
-            <a:solidFill>
-              <a:schemeClr val="tx1"/>
-            </a:solidFill>
-          </a:ln>
-        </p:spPr>
-        <p:style>
-          <a:lnRef idx="2">
-            <a:schemeClr val="accent1">
-              <a:shade val="15000"/>
-            </a:schemeClr>
-          </a:lnRef>
-          <a:fillRef idx="1">
-            <a:schemeClr val="accent1"/>
-          </a:fillRef>
-          <a:effectRef idx="0">
-            <a:schemeClr val="accent1"/>
-          </a:effectRef>
-          <a:fontRef idx="minor">
-            <a:schemeClr val="lt1"/>
-          </a:fontRef>
-        </p:style>
-        <p:txBody>
-          <a:bodyPr rtlCol="0" anchor="b"/>
-          <a:lstStyle/>
-          <a:p>
-            <a:pPr algn="ctr"/>
-            <a:r>
-              <a:rPr lang="en-US" sz="1200" dirty="0">
-                <a:solidFill>
-                  <a:schemeClr val="tx1"/>
-                </a:solidFill>
-              </a:rPr>
-              <a:t>Client Layer</a:t>
-            </a:r>
-          </a:p>
-        </p:txBody>
-      </p:sp>
-      <p:sp>
-        <p:nvSpPr>
-          <p:cNvPr id="20" name="Flussdiagramm: Alternativer Prozess 19">
-            <a:extLst>
-              <a:ext uri="{FF2B5EF4-FFF2-40B4-BE49-F238E27FC236}">
-                <a16:creationId xmlns:a16="http://schemas.microsoft.com/office/drawing/2014/main" id="{4B16E757-1B80-6B12-F81D-9F9713BCD5A1}"/>
-              </a:ext>
-            </a:extLst>
-          </p:cNvPr>
-          <p:cNvSpPr/>
-          <p:nvPr/>
-        </p:nvSpPr>
-        <p:spPr>
-          <a:xfrm>
-            <a:off x="6386258" y="1321806"/>
-            <a:ext cx="1596325" cy="572700"/>
-          </a:xfrm>
-          <a:prstGeom prst="flowChartAlternateProcess">
-            <a:avLst/>
-          </a:prstGeom>
-          <a:ln>
-            <a:solidFill>
-              <a:schemeClr val="tx1"/>
-            </a:solidFill>
-          </a:ln>
-        </p:spPr>
-        <p:style>
-          <a:lnRef idx="2">
-            <a:schemeClr val="accent6"/>
-          </a:lnRef>
-          <a:fillRef idx="1">
-            <a:schemeClr val="lt1"/>
-          </a:fillRef>
-          <a:effectRef idx="0">
-            <a:schemeClr val="accent6"/>
-          </a:effectRef>
-          <a:fontRef idx="minor">
-            <a:schemeClr val="dk1"/>
-          </a:fontRef>
-        </p:style>
-        <p:txBody>
-          <a:bodyPr rtlCol="0" anchor="ctr"/>
-          <a:lstStyle/>
-          <a:p>
-            <a:pPr algn="ctr"/>
-            <a:r>
-              <a:rPr lang="en-US" dirty="0"/>
-              <a:t>Web-Client</a:t>
-            </a:r>
-          </a:p>
-        </p:txBody>
-      </p:sp>
-      <p:sp>
-        <p:nvSpPr>
-          <p:cNvPr id="21" name="Flussdiagramm: Alternativer Prozess 20">
-            <a:extLst>
-              <a:ext uri="{FF2B5EF4-FFF2-40B4-BE49-F238E27FC236}">
-                <a16:creationId xmlns:a16="http://schemas.microsoft.com/office/drawing/2014/main" id="{276C7718-9487-F8BB-1F7D-45F0C0478B53}"/>
-              </a:ext>
-            </a:extLst>
-          </p:cNvPr>
-          <p:cNvSpPr/>
-          <p:nvPr/>
-        </p:nvSpPr>
-        <p:spPr>
-          <a:xfrm>
-            <a:off x="6347227" y="2995099"/>
-            <a:ext cx="1596325" cy="572700"/>
-          </a:xfrm>
-          <a:prstGeom prst="flowChartAlternateProcess">
-            <a:avLst/>
-          </a:prstGeom>
-          <a:ln>
-            <a:solidFill>
-              <a:schemeClr val="tx1"/>
-            </a:solidFill>
-          </a:ln>
-        </p:spPr>
-        <p:style>
-          <a:lnRef idx="2">
-            <a:schemeClr val="accent6"/>
-          </a:lnRef>
-          <a:fillRef idx="1">
-            <a:schemeClr val="lt1"/>
-          </a:fillRef>
-          <a:effectRef idx="0">
-            <a:schemeClr val="accent6"/>
-          </a:effectRef>
-          <a:fontRef idx="minor">
-            <a:schemeClr val="dk1"/>
-          </a:fontRef>
-        </p:style>
-        <p:txBody>
-          <a:bodyPr rtlCol="0" anchor="ctr"/>
-          <a:lstStyle/>
-          <a:p>
-            <a:pPr algn="ctr"/>
-            <a:r>
-              <a:rPr lang="en-US" dirty="0"/>
-              <a:t>Android App</a:t>
-            </a:r>
-          </a:p>
-        </p:txBody>
-      </p:sp>
-      <p:sp>
-        <p:nvSpPr>
-          <p:cNvPr id="23" name="Rechteck 22">
-            <a:extLst>
-              <a:ext uri="{FF2B5EF4-FFF2-40B4-BE49-F238E27FC236}">
-                <a16:creationId xmlns:a16="http://schemas.microsoft.com/office/drawing/2014/main" id="{C70B3940-0EBA-7066-75E4-4D40BF57789C}"/>
-              </a:ext>
-            </a:extLst>
-          </p:cNvPr>
-          <p:cNvSpPr/>
-          <p:nvPr/>
-        </p:nvSpPr>
-        <p:spPr>
-          <a:xfrm>
-            <a:off x="4090884" y="4051033"/>
-            <a:ext cx="1759058" cy="928574"/>
-          </a:xfrm>
-          <a:prstGeom prst="rect">
-            <a:avLst/>
-          </a:prstGeom>
-          <a:noFill/>
-          <a:ln>
-            <a:solidFill>
-              <a:schemeClr val="tx1"/>
-            </a:solidFill>
-          </a:ln>
-        </p:spPr>
-        <p:style>
-          <a:lnRef idx="2">
-            <a:schemeClr val="accent1">
-              <a:shade val="15000"/>
-            </a:schemeClr>
-          </a:lnRef>
-          <a:fillRef idx="1">
-            <a:schemeClr val="accent1"/>
-          </a:fillRef>
-          <a:effectRef idx="0">
-            <a:schemeClr val="accent1"/>
-          </a:effectRef>
-          <a:fontRef idx="minor">
-            <a:schemeClr val="lt1"/>
-          </a:fontRef>
-        </p:style>
-        <p:txBody>
-          <a:bodyPr rtlCol="0" anchor="b"/>
-          <a:lstStyle/>
-          <a:p>
-            <a:pPr algn="ctr"/>
-            <a:r>
-              <a:rPr lang="en-US" sz="1200" dirty="0">
-                <a:solidFill>
-                  <a:schemeClr val="tx1"/>
-                </a:solidFill>
-              </a:rPr>
-              <a:t>Cache Layer</a:t>
-            </a:r>
-          </a:p>
-        </p:txBody>
-      </p:sp>
-      <p:sp>
-        <p:nvSpPr>
-          <p:cNvPr id="24" name="Flussdiagramm: Alternativer Prozess 23">
-            <a:extLst>
-              <a:ext uri="{FF2B5EF4-FFF2-40B4-BE49-F238E27FC236}">
-                <a16:creationId xmlns:a16="http://schemas.microsoft.com/office/drawing/2014/main" id="{797C4AFE-9130-2315-0625-61F72E6921EE}"/>
-              </a:ext>
-            </a:extLst>
-          </p:cNvPr>
-          <p:cNvSpPr/>
-          <p:nvPr/>
-        </p:nvSpPr>
-        <p:spPr>
-          <a:xfrm>
-            <a:off x="4172250" y="4125775"/>
-            <a:ext cx="1596325" cy="572700"/>
-          </a:xfrm>
-          <a:prstGeom prst="flowChartAlternateProcess">
-            <a:avLst/>
-          </a:prstGeom>
-          <a:ln>
-            <a:solidFill>
-              <a:schemeClr val="tx1"/>
-            </a:solidFill>
-          </a:ln>
-        </p:spPr>
-        <p:style>
-          <a:lnRef idx="2">
-            <a:schemeClr val="accent6"/>
-          </a:lnRef>
-          <a:fillRef idx="1">
-            <a:schemeClr val="lt1"/>
-          </a:fillRef>
-          <a:effectRef idx="0">
-            <a:schemeClr val="accent6"/>
-          </a:effectRef>
-          <a:fontRef idx="minor">
-            <a:schemeClr val="dk1"/>
-          </a:fontRef>
-        </p:style>
-        <p:txBody>
-          <a:bodyPr rtlCol="0" anchor="ctr"/>
-          <a:lstStyle/>
-          <a:p>
-            <a:pPr algn="ctr"/>
-            <a:r>
-              <a:rPr lang="en-US" dirty="0"/>
-              <a:t>Redis</a:t>
-            </a:r>
-          </a:p>
-        </p:txBody>
-      </p:sp>
-      <p:cxnSp>
-        <p:nvCxnSpPr>
-          <p:cNvPr id="32" name="Gerader Verbinder 31">
-            <a:extLst>
-              <a:ext uri="{FF2B5EF4-FFF2-40B4-BE49-F238E27FC236}">
-                <a16:creationId xmlns:a16="http://schemas.microsoft.com/office/drawing/2014/main" id="{03FA9137-0229-C011-F4D3-5EED9E9A4894}"/>
-              </a:ext>
-            </a:extLst>
-          </p:cNvPr>
-          <p:cNvCxnSpPr/>
-          <p:nvPr/>
-        </p:nvCxnSpPr>
-        <p:spPr>
-          <a:xfrm>
-            <a:off x="1556911" y="1526583"/>
-            <a:ext cx="240222" cy="0"/>
-          </a:xfrm>
-          <a:prstGeom prst="line">
-            <a:avLst/>
-          </a:prstGeom>
-          <a:ln w="38100">
-            <a:solidFill>
-              <a:schemeClr val="tx1"/>
-            </a:solidFill>
-          </a:ln>
-        </p:spPr>
-        <p:style>
-          <a:lnRef idx="1">
-            <a:schemeClr val="accent1"/>
-          </a:lnRef>
-          <a:fillRef idx="0">
-            <a:schemeClr val="accent1"/>
-          </a:fillRef>
-          <a:effectRef idx="0">
-            <a:schemeClr val="accent1"/>
-          </a:effectRef>
-          <a:fontRef idx="minor">
-            <a:schemeClr val="tx1"/>
-          </a:fontRef>
-        </p:style>
-      </p:cxnSp>
-      <p:cxnSp>
-        <p:nvCxnSpPr>
-          <p:cNvPr id="33" name="Gerader Verbinder 32">
-            <a:extLst>
-              <a:ext uri="{FF2B5EF4-FFF2-40B4-BE49-F238E27FC236}">
-                <a16:creationId xmlns:a16="http://schemas.microsoft.com/office/drawing/2014/main" id="{A599A779-5867-AC9C-0A30-AD16ED5FE37A}"/>
-              </a:ext>
-            </a:extLst>
-          </p:cNvPr>
-          <p:cNvCxnSpPr/>
-          <p:nvPr/>
-        </p:nvCxnSpPr>
-        <p:spPr>
-          <a:xfrm>
-            <a:off x="1556911" y="2278916"/>
-            <a:ext cx="240222" cy="0"/>
-          </a:xfrm>
-          <a:prstGeom prst="line">
-            <a:avLst/>
-          </a:prstGeom>
-          <a:ln w="38100">
-            <a:solidFill>
-              <a:schemeClr val="tx1"/>
-            </a:solidFill>
-          </a:ln>
-        </p:spPr>
-        <p:style>
-          <a:lnRef idx="1">
-            <a:schemeClr val="accent1"/>
-          </a:lnRef>
-          <a:fillRef idx="0">
-            <a:schemeClr val="accent1"/>
-          </a:fillRef>
-          <a:effectRef idx="0">
-            <a:schemeClr val="accent1"/>
-          </a:effectRef>
-          <a:fontRef idx="minor">
-            <a:schemeClr val="tx1"/>
-          </a:fontRef>
-        </p:style>
-      </p:cxnSp>
-      <p:cxnSp>
-        <p:nvCxnSpPr>
-          <p:cNvPr id="34" name="Gerader Verbinder 33">
-            <a:extLst>
-              <a:ext uri="{FF2B5EF4-FFF2-40B4-BE49-F238E27FC236}">
-                <a16:creationId xmlns:a16="http://schemas.microsoft.com/office/drawing/2014/main" id="{9F69BA5C-9859-DA17-41E9-BAEF474B4612}"/>
-              </a:ext>
-            </a:extLst>
-          </p:cNvPr>
-          <p:cNvCxnSpPr/>
-          <p:nvPr/>
-        </p:nvCxnSpPr>
-        <p:spPr>
-          <a:xfrm>
-            <a:off x="1556911" y="2961519"/>
-            <a:ext cx="240222" cy="0"/>
-          </a:xfrm>
-          <a:prstGeom prst="line">
-            <a:avLst/>
-          </a:prstGeom>
-          <a:ln w="38100">
-            <a:solidFill>
-              <a:schemeClr val="tx1"/>
-            </a:solidFill>
-          </a:ln>
-        </p:spPr>
-        <p:style>
-          <a:lnRef idx="1">
-            <a:schemeClr val="accent1"/>
-          </a:lnRef>
-          <a:fillRef idx="0">
-            <a:schemeClr val="accent1"/>
-          </a:fillRef>
-          <a:effectRef idx="0">
-            <a:schemeClr val="accent1"/>
-          </a:effectRef>
-          <a:fontRef idx="minor">
-            <a:schemeClr val="tx1"/>
-          </a:fontRef>
-        </p:style>
-      </p:cxnSp>
-      <p:cxnSp>
-        <p:nvCxnSpPr>
-          <p:cNvPr id="35" name="Gerader Verbinder 34">
-            <a:extLst>
-              <a:ext uri="{FF2B5EF4-FFF2-40B4-BE49-F238E27FC236}">
-                <a16:creationId xmlns:a16="http://schemas.microsoft.com/office/drawing/2014/main" id="{49F84AF5-305E-6291-4832-BCD7B5E926E8}"/>
-              </a:ext>
-            </a:extLst>
-          </p:cNvPr>
-          <p:cNvCxnSpPr/>
-          <p:nvPr/>
-        </p:nvCxnSpPr>
-        <p:spPr>
-          <a:xfrm>
-            <a:off x="1556911" y="3686014"/>
-            <a:ext cx="240222" cy="0"/>
-          </a:xfrm>
-          <a:prstGeom prst="line">
-            <a:avLst/>
-          </a:prstGeom>
-          <a:ln w="38100">
-            <a:solidFill>
-              <a:schemeClr val="tx1"/>
-            </a:solidFill>
-          </a:ln>
-        </p:spPr>
-        <p:style>
-          <a:lnRef idx="1">
-            <a:schemeClr val="accent1"/>
-          </a:lnRef>
-          <a:fillRef idx="0">
-            <a:schemeClr val="accent1"/>
-          </a:fillRef>
-          <a:effectRef idx="0">
-            <a:schemeClr val="accent1"/>
-          </a:effectRef>
-          <a:fontRef idx="minor">
-            <a:schemeClr val="tx1"/>
-          </a:fontRef>
-        </p:style>
-      </p:cxnSp>
-      <p:cxnSp>
-        <p:nvCxnSpPr>
-          <p:cNvPr id="36" name="Gerader Verbinder 35">
-            <a:extLst>
-              <a:ext uri="{FF2B5EF4-FFF2-40B4-BE49-F238E27FC236}">
-                <a16:creationId xmlns:a16="http://schemas.microsoft.com/office/drawing/2014/main" id="{6DA334B1-08D6-EEEA-FF47-7F6872070B34}"/>
-              </a:ext>
-            </a:extLst>
-          </p:cNvPr>
-          <p:cNvCxnSpPr>
-            <a:cxnSpLocks/>
-            <a:endCxn id="15" idx="1"/>
-          </p:cNvCxnSpPr>
-          <p:nvPr/>
-        </p:nvCxnSpPr>
-        <p:spPr>
-          <a:xfrm flipV="1">
-            <a:off x="3563938" y="2515758"/>
-            <a:ext cx="526946" cy="1170256"/>
-          </a:xfrm>
-          <a:prstGeom prst="line">
-            <a:avLst/>
-          </a:prstGeom>
-          <a:ln w="38100">
-            <a:solidFill>
-              <a:schemeClr val="tx1"/>
-            </a:solidFill>
-          </a:ln>
-        </p:spPr>
-        <p:style>
-          <a:lnRef idx="1">
-            <a:schemeClr val="accent1"/>
-          </a:lnRef>
-          <a:fillRef idx="0">
-            <a:schemeClr val="accent1"/>
-          </a:fillRef>
-          <a:effectRef idx="0">
-            <a:schemeClr val="accent1"/>
-          </a:effectRef>
-          <a:fontRef idx="minor">
-            <a:schemeClr val="tx1"/>
-          </a:fontRef>
-        </p:style>
-      </p:cxnSp>
-      <p:cxnSp>
-        <p:nvCxnSpPr>
-          <p:cNvPr id="38" name="Gerader Verbinder 37">
-            <a:extLst>
-              <a:ext uri="{FF2B5EF4-FFF2-40B4-BE49-F238E27FC236}">
-                <a16:creationId xmlns:a16="http://schemas.microsoft.com/office/drawing/2014/main" id="{05BF966D-5529-35BE-563A-850BF4949C25}"/>
-              </a:ext>
-            </a:extLst>
-          </p:cNvPr>
-          <p:cNvCxnSpPr>
-            <a:cxnSpLocks/>
-            <a:endCxn id="15" idx="1"/>
-          </p:cNvCxnSpPr>
-          <p:nvPr/>
-        </p:nvCxnSpPr>
-        <p:spPr>
-          <a:xfrm flipV="1">
-            <a:off x="3556191" y="2515758"/>
-            <a:ext cx="534693" cy="445761"/>
-          </a:xfrm>
-          <a:prstGeom prst="line">
-            <a:avLst/>
-          </a:prstGeom>
-          <a:ln w="38100">
-            <a:solidFill>
-              <a:schemeClr val="tx1"/>
-            </a:solidFill>
-          </a:ln>
-        </p:spPr>
-        <p:style>
-          <a:lnRef idx="1">
-            <a:schemeClr val="accent1"/>
-          </a:lnRef>
-          <a:fillRef idx="0">
-            <a:schemeClr val="accent1"/>
-          </a:fillRef>
-          <a:effectRef idx="0">
-            <a:schemeClr val="accent1"/>
-          </a:effectRef>
-          <a:fontRef idx="minor">
-            <a:schemeClr val="tx1"/>
-          </a:fontRef>
-        </p:style>
-      </p:cxnSp>
-      <p:cxnSp>
-        <p:nvCxnSpPr>
-          <p:cNvPr id="43" name="Gerader Verbinder 42">
-            <a:extLst>
-              <a:ext uri="{FF2B5EF4-FFF2-40B4-BE49-F238E27FC236}">
-                <a16:creationId xmlns:a16="http://schemas.microsoft.com/office/drawing/2014/main" id="{768EE5CA-36C8-3F25-4C55-7CDAFF576C76}"/>
-              </a:ext>
-            </a:extLst>
-          </p:cNvPr>
-          <p:cNvCxnSpPr>
-            <a:cxnSpLocks/>
-            <a:endCxn id="15" idx="1"/>
-          </p:cNvCxnSpPr>
-          <p:nvPr/>
-        </p:nvCxnSpPr>
-        <p:spPr>
-          <a:xfrm>
-            <a:off x="3563938" y="2273750"/>
-            <a:ext cx="526946" cy="242008"/>
-          </a:xfrm>
-          <a:prstGeom prst="line">
-            <a:avLst/>
-          </a:prstGeom>
-          <a:ln w="38100">
-            <a:solidFill>
-              <a:schemeClr val="tx1"/>
-            </a:solidFill>
-          </a:ln>
-        </p:spPr>
-        <p:style>
-          <a:lnRef idx="1">
-            <a:schemeClr val="accent1"/>
-          </a:lnRef>
-          <a:fillRef idx="0">
-            <a:schemeClr val="accent1"/>
-          </a:fillRef>
-          <a:effectRef idx="0">
-            <a:schemeClr val="accent1"/>
-          </a:effectRef>
-          <a:fontRef idx="minor">
-            <a:schemeClr val="tx1"/>
-          </a:fontRef>
-        </p:style>
-      </p:cxnSp>
-      <p:cxnSp>
-        <p:nvCxnSpPr>
-          <p:cNvPr id="46" name="Gerader Verbinder 45">
-            <a:extLst>
-              <a:ext uri="{FF2B5EF4-FFF2-40B4-BE49-F238E27FC236}">
-                <a16:creationId xmlns:a16="http://schemas.microsoft.com/office/drawing/2014/main" id="{26691E4F-B4EC-A7BE-87B6-7337DCAD594F}"/>
-              </a:ext>
-            </a:extLst>
-          </p:cNvPr>
-          <p:cNvCxnSpPr>
-            <a:cxnSpLocks/>
-            <a:endCxn id="15" idx="1"/>
-          </p:cNvCxnSpPr>
-          <p:nvPr/>
-        </p:nvCxnSpPr>
-        <p:spPr>
-          <a:xfrm>
-            <a:off x="3563938" y="1526583"/>
-            <a:ext cx="526946" cy="989175"/>
-          </a:xfrm>
-          <a:prstGeom prst="line">
-            <a:avLst/>
-          </a:prstGeom>
-          <a:ln w="38100">
-            <a:solidFill>
-              <a:schemeClr val="tx1"/>
-            </a:solidFill>
-          </a:ln>
-        </p:spPr>
-        <p:style>
-          <a:lnRef idx="1">
-            <a:schemeClr val="accent1"/>
-          </a:lnRef>
-          <a:fillRef idx="0">
-            <a:schemeClr val="accent1"/>
-          </a:fillRef>
-          <a:effectRef idx="0">
-            <a:schemeClr val="accent1"/>
-          </a:effectRef>
-          <a:fontRef idx="minor">
-            <a:schemeClr val="tx1"/>
-          </a:fontRef>
-        </p:style>
-      </p:cxnSp>
-      <p:cxnSp>
-        <p:nvCxnSpPr>
-          <p:cNvPr id="49" name="Gerader Verbinder 48">
-            <a:extLst>
-              <a:ext uri="{FF2B5EF4-FFF2-40B4-BE49-F238E27FC236}">
-                <a16:creationId xmlns:a16="http://schemas.microsoft.com/office/drawing/2014/main" id="{1980610D-50D1-9AD4-0FD1-6B58566483BB}"/>
-              </a:ext>
-            </a:extLst>
-          </p:cNvPr>
-          <p:cNvCxnSpPr>
-            <a:cxnSpLocks/>
-            <a:stCxn id="23" idx="0"/>
-            <a:endCxn id="15" idx="2"/>
-          </p:cNvCxnSpPr>
-          <p:nvPr/>
-        </p:nvCxnSpPr>
-        <p:spPr>
-          <a:xfrm flipV="1">
-            <a:off x="4970413" y="3844643"/>
-            <a:ext cx="0" cy="206390"/>
-          </a:xfrm>
-          <a:prstGeom prst="line">
-            <a:avLst/>
-          </a:prstGeom>
-          <a:ln w="38100">
-            <a:solidFill>
-              <a:schemeClr val="tx1"/>
-            </a:solidFill>
-          </a:ln>
-        </p:spPr>
-        <p:style>
-          <a:lnRef idx="1">
-            <a:schemeClr val="accent1"/>
-          </a:lnRef>
-          <a:fillRef idx="0">
-            <a:schemeClr val="accent1"/>
-          </a:fillRef>
-          <a:effectRef idx="0">
-            <a:schemeClr val="accent1"/>
-          </a:effectRef>
-          <a:fontRef idx="minor">
-            <a:schemeClr val="tx1"/>
-          </a:fontRef>
-        </p:style>
-      </p:cxnSp>
-      <p:cxnSp>
-        <p:nvCxnSpPr>
-          <p:cNvPr id="52" name="Gerader Verbinder 51">
-            <a:extLst>
-              <a:ext uri="{FF2B5EF4-FFF2-40B4-BE49-F238E27FC236}">
-                <a16:creationId xmlns:a16="http://schemas.microsoft.com/office/drawing/2014/main" id="{7AF9FFF1-F335-6500-23DB-BE6E9DF1ED5E}"/>
-              </a:ext>
-            </a:extLst>
-          </p:cNvPr>
-          <p:cNvCxnSpPr>
-            <a:cxnSpLocks/>
-            <a:stCxn id="15" idx="0"/>
-          </p:cNvCxnSpPr>
-          <p:nvPr/>
-        </p:nvCxnSpPr>
-        <p:spPr>
-          <a:xfrm flipV="1">
-            <a:off x="4970413" y="1029659"/>
-            <a:ext cx="0" cy="157213"/>
-          </a:xfrm>
-          <a:prstGeom prst="line">
-            <a:avLst/>
-          </a:prstGeom>
-          <a:ln w="38100">
-            <a:solidFill>
-              <a:schemeClr val="tx1"/>
-            </a:solidFill>
-          </a:ln>
-        </p:spPr>
-        <p:style>
-          <a:lnRef idx="1">
-            <a:schemeClr val="accent1"/>
-          </a:lnRef>
-          <a:fillRef idx="0">
-            <a:schemeClr val="accent1"/>
-          </a:fillRef>
-          <a:effectRef idx="0">
-            <a:schemeClr val="accent1"/>
-          </a:effectRef>
-          <a:fontRef idx="minor">
-            <a:schemeClr val="tx1"/>
-          </a:fontRef>
-        </p:style>
-      </p:cxnSp>
-      <p:cxnSp>
-        <p:nvCxnSpPr>
-          <p:cNvPr id="55" name="Gerader Verbinder 54">
-            <a:extLst>
-              <a:ext uri="{FF2B5EF4-FFF2-40B4-BE49-F238E27FC236}">
-                <a16:creationId xmlns:a16="http://schemas.microsoft.com/office/drawing/2014/main" id="{B46D9020-F79E-73D0-BB1C-88E90C29BB0A}"/>
-              </a:ext>
-            </a:extLst>
-          </p:cNvPr>
-          <p:cNvCxnSpPr>
-            <a:cxnSpLocks/>
-            <a:stCxn id="17" idx="3"/>
-            <a:endCxn id="18" idx="1"/>
-          </p:cNvCxnSpPr>
-          <p:nvPr/>
-        </p:nvCxnSpPr>
-        <p:spPr>
-          <a:xfrm>
-            <a:off x="5795694" y="483445"/>
-            <a:ext cx="419746" cy="0"/>
-          </a:xfrm>
-          <a:prstGeom prst="line">
-            <a:avLst/>
-          </a:prstGeom>
-          <a:ln w="38100">
-            <a:solidFill>
-              <a:schemeClr val="tx1"/>
-            </a:solidFill>
-          </a:ln>
-        </p:spPr>
-        <p:style>
-          <a:lnRef idx="1">
-            <a:schemeClr val="accent1"/>
-          </a:lnRef>
-          <a:fillRef idx="0">
-            <a:schemeClr val="accent1"/>
-          </a:fillRef>
-          <a:effectRef idx="0">
-            <a:schemeClr val="accent1"/>
-          </a:effectRef>
-          <a:fontRef idx="minor">
-            <a:schemeClr val="tx1"/>
-          </a:fontRef>
-        </p:style>
-      </p:cxnSp>
-      <p:cxnSp>
-        <p:nvCxnSpPr>
-          <p:cNvPr id="1416" name="Gerader Verbinder 1415">
-            <a:extLst>
-              <a:ext uri="{FF2B5EF4-FFF2-40B4-BE49-F238E27FC236}">
-                <a16:creationId xmlns:a16="http://schemas.microsoft.com/office/drawing/2014/main" id="{6ABEDBEB-3438-18AC-18C4-C697B9E1FEB4}"/>
-              </a:ext>
-            </a:extLst>
-          </p:cNvPr>
-          <p:cNvCxnSpPr>
-            <a:cxnSpLocks/>
-            <a:stCxn id="15" idx="3"/>
-          </p:cNvCxnSpPr>
-          <p:nvPr/>
-        </p:nvCxnSpPr>
-        <p:spPr>
-          <a:xfrm flipV="1">
-            <a:off x="5849942" y="1611824"/>
-            <a:ext cx="435290" cy="903934"/>
-          </a:xfrm>
-          <a:prstGeom prst="line">
-            <a:avLst/>
-          </a:prstGeom>
-          <a:ln w="38100">
-            <a:solidFill>
-              <a:schemeClr val="tx1"/>
-            </a:solidFill>
-          </a:ln>
-        </p:spPr>
-        <p:style>
-          <a:lnRef idx="1">
-            <a:schemeClr val="accent1"/>
-          </a:lnRef>
-          <a:fillRef idx="0">
-            <a:schemeClr val="accent1"/>
-          </a:fillRef>
-          <a:effectRef idx="0">
-            <a:schemeClr val="accent1"/>
-          </a:effectRef>
-          <a:fontRef idx="minor">
-            <a:schemeClr val="tx1"/>
-          </a:fontRef>
-        </p:style>
-      </p:cxnSp>
-      <p:cxnSp>
-        <p:nvCxnSpPr>
-          <p:cNvPr id="1419" name="Gerader Verbinder 1418">
-            <a:extLst>
-              <a:ext uri="{FF2B5EF4-FFF2-40B4-BE49-F238E27FC236}">
-                <a16:creationId xmlns:a16="http://schemas.microsoft.com/office/drawing/2014/main" id="{BCC98A10-FE23-CB6F-B1AB-19C7DC0D2AAC}"/>
-              </a:ext>
-            </a:extLst>
-          </p:cNvPr>
-          <p:cNvCxnSpPr>
-            <a:cxnSpLocks/>
-            <a:stCxn id="15" idx="3"/>
-          </p:cNvCxnSpPr>
-          <p:nvPr/>
-        </p:nvCxnSpPr>
-        <p:spPr>
-          <a:xfrm>
-            <a:off x="5849942" y="2515758"/>
-            <a:ext cx="435290" cy="806382"/>
-          </a:xfrm>
-          <a:prstGeom prst="line">
-            <a:avLst/>
-          </a:prstGeom>
-          <a:ln w="38100">
-            <a:solidFill>
-              <a:schemeClr val="tx1"/>
-            </a:solidFill>
-          </a:ln>
-        </p:spPr>
-        <p:style>
-          <a:lnRef idx="1">
-            <a:schemeClr val="accent1"/>
-          </a:lnRef>
-          <a:fillRef idx="0">
-            <a:schemeClr val="accent1"/>
-          </a:fillRef>
-          <a:effectRef idx="0">
-            <a:schemeClr val="accent1"/>
-          </a:effectRef>
-          <a:fontRef idx="minor">
-            <a:schemeClr val="tx1"/>
-          </a:fontRef>
-        </p:style>
-      </p:cxnSp>
-      <p:cxnSp>
-        <p:nvCxnSpPr>
-          <p:cNvPr id="1426" name="Verbinder: gewinkelt 1425">
-            <a:extLst>
-              <a:ext uri="{FF2B5EF4-FFF2-40B4-BE49-F238E27FC236}">
-                <a16:creationId xmlns:a16="http://schemas.microsoft.com/office/drawing/2014/main" id="{1102E46E-1E0B-4411-65FD-8E191C079FC5}"/>
-              </a:ext>
-            </a:extLst>
-          </p:cNvPr>
-          <p:cNvCxnSpPr>
-            <a:cxnSpLocks/>
-            <a:stCxn id="23" idx="3"/>
-            <a:endCxn id="19" idx="2"/>
-          </p:cNvCxnSpPr>
-          <p:nvPr/>
-        </p:nvCxnSpPr>
-        <p:spPr>
-          <a:xfrm flipV="1">
-            <a:off x="5849942" y="3844644"/>
-            <a:ext cx="1314819" cy="670676"/>
-          </a:xfrm>
-          <a:prstGeom prst="bentConnector2">
-            <a:avLst/>
-          </a:prstGeom>
-          <a:ln w="38100">
-            <a:solidFill>
-              <a:schemeClr val="tx1"/>
-            </a:solidFill>
-          </a:ln>
-        </p:spPr>
-        <p:style>
-          <a:lnRef idx="1">
-            <a:schemeClr val="accent1"/>
-          </a:lnRef>
-          <a:fillRef idx="0">
-            <a:schemeClr val="accent1"/>
-          </a:fillRef>
-          <a:effectRef idx="0">
-            <a:schemeClr val="accent1"/>
-          </a:effectRef>
-          <a:fontRef idx="minor">
-            <a:schemeClr val="tx1"/>
-          </a:fontRef>
-        </p:style>
-      </p:cxnSp>
-      <p:pic>
-        <p:nvPicPr>
-          <p:cNvPr id="1026" name="Picture 2">
-            <a:extLst>
-              <a:ext uri="{FF2B5EF4-FFF2-40B4-BE49-F238E27FC236}">
-                <a16:creationId xmlns:a16="http://schemas.microsoft.com/office/drawing/2014/main" id="{72853EF5-FB0A-44C3-D33B-D2894EB41575}"/>
-              </a:ext>
-            </a:extLst>
-          </p:cNvPr>
-          <p:cNvPicPr>
-            <a:picLocks noChangeAspect="1" noChangeArrowheads="1"/>
-          </p:cNvPicPr>
-          <p:nvPr/>
-        </p:nvPicPr>
-        <p:blipFill>
-          <a:blip r:embed="rId5">
-            <a:extLst>
-              <a:ext uri="{28A0092B-C50C-407E-A947-70E740481C1C}">
-                <a14:useLocalDpi xmlns:a14="http://schemas.microsoft.com/office/drawing/2010/main" val="0"/>
-              </a:ext>
-            </a:extLst>
-          </a:blip>
-          <a:srcRect/>
-          <a:stretch>
-            <a:fillRect/>
-          </a:stretch>
-        </p:blipFill>
-        <p:spPr bwMode="auto">
-          <a:xfrm>
-            <a:off x="1142697" y="3309774"/>
-            <a:ext cx="327801" cy="337918"/>
-          </a:xfrm>
-          <a:prstGeom prst="rect">
-            <a:avLst/>
-          </a:prstGeom>
-          <a:noFill/>
-          <a:extLst>
-            <a:ext uri="{909E8E84-426E-40DD-AFC4-6F175D3DCCD1}">
-              <a14:hiddenFill xmlns:a14="http://schemas.microsoft.com/office/drawing/2010/main">
-                <a:solidFill>
-                  <a:srgbClr val="FFFFFF"/>
-                </a:solidFill>
-              </a14:hiddenFill>
-            </a:ext>
-          </a:extLst>
-        </p:spPr>
-      </p:pic>
-      <p:pic>
-        <p:nvPicPr>
-          <p:cNvPr id="1432" name="Picture 2">
-            <a:extLst>
-              <a:ext uri="{FF2B5EF4-FFF2-40B4-BE49-F238E27FC236}">
-                <a16:creationId xmlns:a16="http://schemas.microsoft.com/office/drawing/2014/main" id="{335D1395-E69E-4E6D-E8C7-276C321CC489}"/>
-              </a:ext>
-            </a:extLst>
-          </p:cNvPr>
-          <p:cNvPicPr>
-            <a:picLocks noChangeAspect="1" noChangeArrowheads="1"/>
-          </p:cNvPicPr>
-          <p:nvPr/>
-        </p:nvPicPr>
-        <p:blipFill>
-          <a:blip r:embed="rId5">
-            <a:extLst>
-              <a:ext uri="{28A0092B-C50C-407E-A947-70E740481C1C}">
-                <a14:useLocalDpi xmlns:a14="http://schemas.microsoft.com/office/drawing/2010/main" val="0"/>
-              </a:ext>
-            </a:extLst>
-          </a:blip>
-          <a:srcRect/>
-          <a:stretch>
-            <a:fillRect/>
-          </a:stretch>
-        </p:blipFill>
-        <p:spPr bwMode="auto">
-          <a:xfrm>
-            <a:off x="1140856" y="2602139"/>
-            <a:ext cx="327801" cy="337918"/>
-          </a:xfrm>
-          <a:prstGeom prst="rect">
-            <a:avLst/>
-          </a:prstGeom>
-          <a:noFill/>
-          <a:extLst>
-            <a:ext uri="{909E8E84-426E-40DD-AFC4-6F175D3DCCD1}">
-              <a14:hiddenFill xmlns:a14="http://schemas.microsoft.com/office/drawing/2010/main">
-                <a:solidFill>
-                  <a:srgbClr val="FFFFFF"/>
-                </a:solidFill>
-              </a14:hiddenFill>
-            </a:ext>
-          </a:extLst>
-        </p:spPr>
-      </p:pic>
-      <p:pic>
-        <p:nvPicPr>
-          <p:cNvPr id="1433" name="Picture 2">
-            <a:extLst>
-              <a:ext uri="{FF2B5EF4-FFF2-40B4-BE49-F238E27FC236}">
-                <a16:creationId xmlns:a16="http://schemas.microsoft.com/office/drawing/2014/main" id="{58F4AD55-0866-E7B6-9609-A712187D4971}"/>
-              </a:ext>
-            </a:extLst>
-          </p:cNvPr>
-          <p:cNvPicPr>
-            <a:picLocks noChangeAspect="1" noChangeArrowheads="1"/>
-          </p:cNvPicPr>
-          <p:nvPr/>
-        </p:nvPicPr>
-        <p:blipFill>
-          <a:blip r:embed="rId5">
-            <a:extLst>
-              <a:ext uri="{28A0092B-C50C-407E-A947-70E740481C1C}">
-                <a14:useLocalDpi xmlns:a14="http://schemas.microsoft.com/office/drawing/2010/main" val="0"/>
-              </a:ext>
-            </a:extLst>
-          </a:blip>
-          <a:srcRect/>
-          <a:stretch>
-            <a:fillRect/>
-          </a:stretch>
-        </p:blipFill>
-        <p:spPr bwMode="auto">
-          <a:xfrm>
-            <a:off x="1140855" y="1884596"/>
-            <a:ext cx="327801" cy="337918"/>
-          </a:xfrm>
-          <a:prstGeom prst="rect">
-            <a:avLst/>
-          </a:prstGeom>
-          <a:noFill/>
-          <a:extLst>
-            <a:ext uri="{909E8E84-426E-40DD-AFC4-6F175D3DCCD1}">
-              <a14:hiddenFill xmlns:a14="http://schemas.microsoft.com/office/drawing/2010/main">
-                <a:solidFill>
-                  <a:srgbClr val="FFFFFF"/>
-                </a:solidFill>
-              </a14:hiddenFill>
-            </a:ext>
-          </a:extLst>
-        </p:spPr>
-      </p:pic>
-      <p:pic>
-        <p:nvPicPr>
-          <p:cNvPr id="1434" name="Picture 2">
-            <a:extLst>
-              <a:ext uri="{FF2B5EF4-FFF2-40B4-BE49-F238E27FC236}">
-                <a16:creationId xmlns:a16="http://schemas.microsoft.com/office/drawing/2014/main" id="{7A61D992-E79F-9B58-EB31-EB37326D3CB4}"/>
-              </a:ext>
-            </a:extLst>
-          </p:cNvPr>
-          <p:cNvPicPr>
-            <a:picLocks noChangeAspect="1" noChangeArrowheads="1"/>
-          </p:cNvPicPr>
-          <p:nvPr/>
-        </p:nvPicPr>
-        <p:blipFill>
-          <a:blip r:embed="rId5">
-            <a:extLst>
-              <a:ext uri="{28A0092B-C50C-407E-A947-70E740481C1C}">
-                <a14:useLocalDpi xmlns:a14="http://schemas.microsoft.com/office/drawing/2010/main" val="0"/>
-              </a:ext>
-            </a:extLst>
-          </a:blip>
-          <a:srcRect/>
-          <a:stretch>
-            <a:fillRect/>
-          </a:stretch>
-        </p:blipFill>
-        <p:spPr bwMode="auto">
-          <a:xfrm>
-            <a:off x="1140854" y="1182142"/>
-            <a:ext cx="327801" cy="337918"/>
-          </a:xfrm>
-          <a:prstGeom prst="rect">
-            <a:avLst/>
-          </a:prstGeom>
-          <a:noFill/>
-          <a:extLst>
-            <a:ext uri="{909E8E84-426E-40DD-AFC4-6F175D3DCCD1}">
-              <a14:hiddenFill xmlns:a14="http://schemas.microsoft.com/office/drawing/2010/main">
-                <a:solidFill>
-                  <a:srgbClr val="FFFFFF"/>
-                </a:solidFill>
-              </a14:hiddenFill>
-            </a:ext>
-          </a:extLst>
-        </p:spPr>
-      </p:pic>
-      <p:pic>
-        <p:nvPicPr>
-          <p:cNvPr id="1032" name="Picture 8" descr="Hands-on FastAPI Tutorials">
-            <a:extLst>
-              <a:ext uri="{FF2B5EF4-FFF2-40B4-BE49-F238E27FC236}">
-                <a16:creationId xmlns:a16="http://schemas.microsoft.com/office/drawing/2014/main" id="{3AAB1FDE-49CD-006C-855E-3E9C4330F87B}"/>
-              </a:ext>
-            </a:extLst>
-          </p:cNvPr>
-          <p:cNvPicPr>
-            <a:picLocks noChangeAspect="1" noChangeArrowheads="1"/>
-          </p:cNvPicPr>
-          <p:nvPr/>
-        </p:nvPicPr>
-        <p:blipFill>
-          <a:blip r:embed="rId6">
-            <a:extLst>
-              <a:ext uri="{BEBA8EAE-BF5A-486C-A8C5-ECC9F3942E4B}">
-                <a14:imgProps xmlns:a14="http://schemas.microsoft.com/office/drawing/2010/main">
-                  <a14:imgLayer r:embed="rId7">
-                    <a14:imgEffect>
-                      <a14:backgroundRemoval t="10000" b="90000" l="10000" r="90000"/>
-                    </a14:imgEffect>
-                  </a14:imgLayer>
-                </a14:imgProps>
-              </a:ext>
-              <a:ext uri="{28A0092B-C50C-407E-A947-70E740481C1C}">
-                <a14:useLocalDpi xmlns:a14="http://schemas.microsoft.com/office/drawing/2010/main" val="0"/>
-              </a:ext>
-            </a:extLst>
-          </a:blip>
-          <a:srcRect/>
-          <a:stretch>
-            <a:fillRect/>
-          </a:stretch>
-        </p:blipFill>
-        <p:spPr bwMode="auto">
-          <a:xfrm>
-            <a:off x="3186761" y="3261206"/>
-            <a:ext cx="581858" cy="406736"/>
-          </a:xfrm>
-          <a:prstGeom prst="rect">
-            <a:avLst/>
-          </a:prstGeom>
-          <a:noFill/>
-          <a:extLst>
-            <a:ext uri="{909E8E84-426E-40DD-AFC4-6F175D3DCCD1}">
-              <a14:hiddenFill xmlns:a14="http://schemas.microsoft.com/office/drawing/2010/main">
-                <a:solidFill>
-                  <a:srgbClr val="FFFFFF"/>
-                </a:solidFill>
-              </a14:hiddenFill>
-            </a:ext>
-          </a:extLst>
-        </p:spPr>
-      </p:pic>
-      <p:pic>
-        <p:nvPicPr>
-          <p:cNvPr id="1437" name="Picture 8" descr="Hands-on FastAPI Tutorials">
-            <a:extLst>
-              <a:ext uri="{FF2B5EF4-FFF2-40B4-BE49-F238E27FC236}">
-                <a16:creationId xmlns:a16="http://schemas.microsoft.com/office/drawing/2014/main" id="{12D4EAA1-B607-0D9A-BBAF-74AE06F45AEA}"/>
-              </a:ext>
-            </a:extLst>
-          </p:cNvPr>
-          <p:cNvPicPr>
-            <a:picLocks noChangeAspect="1" noChangeArrowheads="1"/>
-          </p:cNvPicPr>
-          <p:nvPr/>
-        </p:nvPicPr>
-        <p:blipFill>
-          <a:blip r:embed="rId6">
-            <a:extLst>
-              <a:ext uri="{BEBA8EAE-BF5A-486C-A8C5-ECC9F3942E4B}">
-                <a14:imgProps xmlns:a14="http://schemas.microsoft.com/office/drawing/2010/main">
-                  <a14:imgLayer r:embed="rId7">
-                    <a14:imgEffect>
-                      <a14:backgroundRemoval t="10000" b="90000" l="10000" r="90000"/>
-                    </a14:imgEffect>
-                  </a14:imgLayer>
-                </a14:imgProps>
-              </a:ext>
-              <a:ext uri="{28A0092B-C50C-407E-A947-70E740481C1C}">
-                <a14:useLocalDpi xmlns:a14="http://schemas.microsoft.com/office/drawing/2010/main" val="0"/>
-              </a:ext>
-            </a:extLst>
-          </a:blip>
-          <a:srcRect/>
-          <a:stretch>
-            <a:fillRect/>
-          </a:stretch>
-        </p:blipFill>
-        <p:spPr bwMode="auto">
-          <a:xfrm>
-            <a:off x="3190305" y="2542238"/>
-            <a:ext cx="581858" cy="406736"/>
-          </a:xfrm>
-          <a:prstGeom prst="rect">
-            <a:avLst/>
-          </a:prstGeom>
-          <a:noFill/>
-          <a:extLst>
-            <a:ext uri="{909E8E84-426E-40DD-AFC4-6F175D3DCCD1}">
-              <a14:hiddenFill xmlns:a14="http://schemas.microsoft.com/office/drawing/2010/main">
-                <a:solidFill>
-                  <a:srgbClr val="FFFFFF"/>
-                </a:solidFill>
-              </a14:hiddenFill>
-            </a:ext>
-          </a:extLst>
-        </p:spPr>
-      </p:pic>
-      <p:pic>
-        <p:nvPicPr>
-          <p:cNvPr id="1438" name="Picture 8" descr="Hands-on FastAPI Tutorials">
-            <a:extLst>
-              <a:ext uri="{FF2B5EF4-FFF2-40B4-BE49-F238E27FC236}">
-                <a16:creationId xmlns:a16="http://schemas.microsoft.com/office/drawing/2014/main" id="{ED1BDA49-1445-003B-204B-989F6BFED201}"/>
-              </a:ext>
-            </a:extLst>
-          </p:cNvPr>
-          <p:cNvPicPr>
-            <a:picLocks noChangeAspect="1" noChangeArrowheads="1"/>
-          </p:cNvPicPr>
-          <p:nvPr/>
-        </p:nvPicPr>
-        <p:blipFill>
-          <a:blip r:embed="rId6">
-            <a:extLst>
-              <a:ext uri="{BEBA8EAE-BF5A-486C-A8C5-ECC9F3942E4B}">
-                <a14:imgProps xmlns:a14="http://schemas.microsoft.com/office/drawing/2010/main">
-                  <a14:imgLayer r:embed="rId7">
-                    <a14:imgEffect>
-                      <a14:backgroundRemoval t="10000" b="90000" l="10000" r="90000"/>
-                    </a14:imgEffect>
-                  </a14:imgLayer>
-                </a14:imgProps>
-              </a:ext>
-              <a:ext uri="{28A0092B-C50C-407E-A947-70E740481C1C}">
-                <a14:useLocalDpi xmlns:a14="http://schemas.microsoft.com/office/drawing/2010/main" val="0"/>
-              </a:ext>
-            </a:extLst>
-          </a:blip>
-          <a:srcRect/>
-          <a:stretch>
-            <a:fillRect/>
-          </a:stretch>
-        </p:blipFill>
-        <p:spPr bwMode="auto">
-          <a:xfrm>
-            <a:off x="3190305" y="1823271"/>
-            <a:ext cx="581858" cy="406736"/>
-          </a:xfrm>
-          <a:prstGeom prst="rect">
-            <a:avLst/>
-          </a:prstGeom>
-          <a:noFill/>
-          <a:extLst>
-            <a:ext uri="{909E8E84-426E-40DD-AFC4-6F175D3DCCD1}">
-              <a14:hiddenFill xmlns:a14="http://schemas.microsoft.com/office/drawing/2010/main">
-                <a:solidFill>
-                  <a:srgbClr val="FFFFFF"/>
-                </a:solidFill>
-              </a14:hiddenFill>
-            </a:ext>
-          </a:extLst>
-        </p:spPr>
-      </p:pic>
-      <p:pic>
-        <p:nvPicPr>
-          <p:cNvPr id="1439" name="Picture 8" descr="Hands-on FastAPI Tutorials">
-            <a:extLst>
-              <a:ext uri="{FF2B5EF4-FFF2-40B4-BE49-F238E27FC236}">
-                <a16:creationId xmlns:a16="http://schemas.microsoft.com/office/drawing/2014/main" id="{C573F674-6C85-58BE-990D-9EC4E8A84215}"/>
-              </a:ext>
-            </a:extLst>
-          </p:cNvPr>
-          <p:cNvPicPr>
-            <a:picLocks noChangeAspect="1" noChangeArrowheads="1"/>
-          </p:cNvPicPr>
-          <p:nvPr/>
-        </p:nvPicPr>
-        <p:blipFill>
-          <a:blip r:embed="rId6">
-            <a:extLst>
-              <a:ext uri="{BEBA8EAE-BF5A-486C-A8C5-ECC9F3942E4B}">
-                <a14:imgProps xmlns:a14="http://schemas.microsoft.com/office/drawing/2010/main">
-                  <a14:imgLayer r:embed="rId7">
-                    <a14:imgEffect>
-                      <a14:backgroundRemoval t="10000" b="90000" l="10000" r="90000"/>
-                    </a14:imgEffect>
-                  </a14:imgLayer>
-                </a14:imgProps>
-              </a:ext>
-              <a:ext uri="{28A0092B-C50C-407E-A947-70E740481C1C}">
-                <a14:useLocalDpi xmlns:a14="http://schemas.microsoft.com/office/drawing/2010/main" val="0"/>
-              </a:ext>
-            </a:extLst>
-          </a:blip>
-          <a:srcRect/>
-          <a:stretch>
-            <a:fillRect/>
-          </a:stretch>
-        </p:blipFill>
-        <p:spPr bwMode="auto">
-          <a:xfrm>
-            <a:off x="3183845" y="1104304"/>
-            <a:ext cx="581858" cy="406736"/>
-          </a:xfrm>
-          <a:prstGeom prst="rect">
-            <a:avLst/>
-          </a:prstGeom>
-          <a:noFill/>
-          <a:extLst>
-            <a:ext uri="{909E8E84-426E-40DD-AFC4-6F175D3DCCD1}">
-              <a14:hiddenFill xmlns:a14="http://schemas.microsoft.com/office/drawing/2010/main">
-                <a:solidFill>
-                  <a:srgbClr val="FFFFFF"/>
-                </a:solidFill>
-              </a14:hiddenFill>
-            </a:ext>
-          </a:extLst>
-        </p:spPr>
-      </p:pic>
-      <p:pic>
-        <p:nvPicPr>
-          <p:cNvPr id="1440" name="Picture 8" descr="Hands-on FastAPI Tutorials">
-            <a:extLst>
-              <a:ext uri="{FF2B5EF4-FFF2-40B4-BE49-F238E27FC236}">
-                <a16:creationId xmlns:a16="http://schemas.microsoft.com/office/drawing/2014/main" id="{C0418B82-350F-B96E-6CFD-E482A3508956}"/>
-              </a:ext>
-            </a:extLst>
-          </p:cNvPr>
-          <p:cNvPicPr>
-            <a:picLocks noChangeAspect="1" noChangeArrowheads="1"/>
-          </p:cNvPicPr>
-          <p:nvPr/>
-        </p:nvPicPr>
-        <p:blipFill>
-          <a:blip r:embed="rId6">
-            <a:extLst>
-              <a:ext uri="{BEBA8EAE-BF5A-486C-A8C5-ECC9F3942E4B}">
-                <a14:imgProps xmlns:a14="http://schemas.microsoft.com/office/drawing/2010/main">
-                  <a14:imgLayer r:embed="rId7">
-                    <a14:imgEffect>
-                      <a14:backgroundRemoval t="10000" b="90000" l="10000" r="90000"/>
-                    </a14:imgEffect>
-                  </a14:imgLayer>
-                </a14:imgProps>
-              </a:ext>
-              <a:ext uri="{28A0092B-C50C-407E-A947-70E740481C1C}">
-                <a14:useLocalDpi xmlns:a14="http://schemas.microsoft.com/office/drawing/2010/main" val="0"/>
-              </a:ext>
-            </a:extLst>
-          </a:blip>
-          <a:srcRect/>
-          <a:stretch>
-            <a:fillRect/>
-          </a:stretch>
-        </p:blipFill>
-        <p:spPr bwMode="auto">
-          <a:xfrm>
-            <a:off x="5405702" y="2072975"/>
-            <a:ext cx="581858" cy="406736"/>
-          </a:xfrm>
-          <a:prstGeom prst="rect">
-            <a:avLst/>
-          </a:prstGeom>
-          <a:noFill/>
-          <a:extLst>
-            <a:ext uri="{909E8E84-426E-40DD-AFC4-6F175D3DCCD1}">
-              <a14:hiddenFill xmlns:a14="http://schemas.microsoft.com/office/drawing/2010/main">
-                <a:solidFill>
-                  <a:srgbClr val="FFFFFF"/>
-                </a:solidFill>
-              </a14:hiddenFill>
-            </a:ext>
-          </a:extLst>
-        </p:spPr>
-      </p:pic>
-      <p:pic>
-        <p:nvPicPr>
-          <p:cNvPr id="1036" name="Picture 12" descr="React original wordmark logo - Free Icon PNG, SVG">
-            <a:extLst>
-              <a:ext uri="{FF2B5EF4-FFF2-40B4-BE49-F238E27FC236}">
-                <a16:creationId xmlns:a16="http://schemas.microsoft.com/office/drawing/2014/main" id="{084A6540-7D78-88F0-A2BB-17E4C5A60DA5}"/>
-              </a:ext>
-            </a:extLst>
-          </p:cNvPr>
-          <p:cNvPicPr>
-            <a:picLocks noChangeAspect="1" noChangeArrowheads="1"/>
-          </p:cNvPicPr>
-          <p:nvPr/>
-        </p:nvPicPr>
-        <p:blipFill>
-          <a:blip r:embed="rId8">
-            <a:extLst>
-              <a:ext uri="{28A0092B-C50C-407E-A947-70E740481C1C}">
-                <a14:useLocalDpi xmlns:a14="http://schemas.microsoft.com/office/drawing/2010/main" val="0"/>
-              </a:ext>
-            </a:extLst>
-          </a:blip>
-          <a:srcRect/>
-          <a:stretch>
-            <a:fillRect/>
-          </a:stretch>
-        </p:blipFill>
-        <p:spPr bwMode="auto">
-          <a:xfrm>
-            <a:off x="7634826" y="1351800"/>
-            <a:ext cx="353878" cy="353878"/>
-          </a:xfrm>
-          <a:prstGeom prst="rect">
-            <a:avLst/>
-          </a:prstGeom>
-          <a:noFill/>
-          <a:extLst>
-            <a:ext uri="{909E8E84-426E-40DD-AFC4-6F175D3DCCD1}">
-              <a14:hiddenFill xmlns:a14="http://schemas.microsoft.com/office/drawing/2010/main">
-                <a:solidFill>
-                  <a:srgbClr val="FFFFFF"/>
-                </a:solidFill>
-              </a14:hiddenFill>
-            </a:ext>
-          </a:extLst>
-        </p:spPr>
-      </p:pic>
-      <p:pic>
-        <p:nvPicPr>
-          <p:cNvPr id="1042" name="Picture 18" descr="Android PNG Transparent Background, Free Download #3062 - FreeIconsPNG">
-            <a:extLst>
-              <a:ext uri="{FF2B5EF4-FFF2-40B4-BE49-F238E27FC236}">
-                <a16:creationId xmlns:a16="http://schemas.microsoft.com/office/drawing/2014/main" id="{ACE5A83F-0F8B-C424-BC22-A06AD910AD55}"/>
-              </a:ext>
-            </a:extLst>
-          </p:cNvPr>
-          <p:cNvPicPr>
-            <a:picLocks noChangeAspect="1" noChangeArrowheads="1"/>
-          </p:cNvPicPr>
-          <p:nvPr/>
-        </p:nvPicPr>
-        <p:blipFill>
-          <a:blip r:embed="rId9">
-            <a:extLst>
-              <a:ext uri="{28A0092B-C50C-407E-A947-70E740481C1C}">
-                <a14:useLocalDpi xmlns:a14="http://schemas.microsoft.com/office/drawing/2010/main" val="0"/>
-              </a:ext>
-            </a:extLst>
-          </a:blip>
-          <a:srcRect/>
-          <a:stretch>
-            <a:fillRect/>
-          </a:stretch>
-        </p:blipFill>
-        <p:spPr bwMode="auto">
-          <a:xfrm>
-            <a:off x="7634826" y="3004952"/>
-            <a:ext cx="325552" cy="325552"/>
-          </a:xfrm>
-          <a:prstGeom prst="rect">
-            <a:avLst/>
-          </a:prstGeom>
-          <a:noFill/>
-          <a:extLst>
-            <a:ext uri="{909E8E84-426E-40DD-AFC4-6F175D3DCCD1}">
-              <a14:hiddenFill xmlns:a14="http://schemas.microsoft.com/office/drawing/2010/main">
-                <a:solidFill>
-                  <a:srgbClr val="FFFFFF"/>
-                </a:solidFill>
-              </a14:hiddenFill>
-            </a:ext>
-          </a:extLst>
-        </p:spPr>
-      </p:pic>
-      <p:pic>
-        <p:nvPicPr>
-          <p:cNvPr id="1046" name="Picture 22">
-            <a:extLst>
-              <a:ext uri="{FF2B5EF4-FFF2-40B4-BE49-F238E27FC236}">
-                <a16:creationId xmlns:a16="http://schemas.microsoft.com/office/drawing/2014/main" id="{14A515C0-03B0-A28A-73AF-94059EE44CDB}"/>
-              </a:ext>
-            </a:extLst>
-          </p:cNvPr>
-          <p:cNvPicPr>
-            <a:picLocks noChangeAspect="1" noChangeArrowheads="1"/>
-          </p:cNvPicPr>
-          <p:nvPr/>
-        </p:nvPicPr>
-        <p:blipFill rotWithShape="1">
-          <a:blip r:embed="rId10">
-            <a:extLst>
-              <a:ext uri="{28A0092B-C50C-407E-A947-70E740481C1C}">
-                <a14:useLocalDpi xmlns:a14="http://schemas.microsoft.com/office/drawing/2010/main" val="0"/>
-              </a:ext>
-            </a:extLst>
-          </a:blip>
-          <a:srcRect r="58517"/>
-          <a:stretch>
-            <a:fillRect/>
-          </a:stretch>
-        </p:blipFill>
-        <p:spPr bwMode="auto">
-          <a:xfrm>
-            <a:off x="5382455" y="4085862"/>
-            <a:ext cx="462332" cy="380016"/>
-          </a:xfrm>
-          <a:prstGeom prst="rect">
-            <a:avLst/>
-          </a:prstGeom>
-          <a:noFill/>
-          <a:extLst>
-            <a:ext uri="{909E8E84-426E-40DD-AFC4-6F175D3DCCD1}">
-              <a14:hiddenFill xmlns:a14="http://schemas.microsoft.com/office/drawing/2010/main">
-                <a:solidFill>
-                  <a:srgbClr val="FFFFFF"/>
-                </a:solidFill>
-              </a14:hiddenFill>
-            </a:ext>
-          </a:extLst>
-        </p:spPr>
-      </p:pic>
-      <p:pic>
-        <p:nvPicPr>
-          <p:cNvPr id="1050" name="Picture 26">
-            <a:extLst>
-              <a:ext uri="{FF2B5EF4-FFF2-40B4-BE49-F238E27FC236}">
-                <a16:creationId xmlns:a16="http://schemas.microsoft.com/office/drawing/2014/main" id="{CE67E240-B4A5-1E3B-307C-D6C6D4DB437F}"/>
-              </a:ext>
-            </a:extLst>
-          </p:cNvPr>
-          <p:cNvPicPr>
-            <a:picLocks noChangeAspect="1" noChangeArrowheads="1"/>
-          </p:cNvPicPr>
-          <p:nvPr/>
-        </p:nvPicPr>
-        <p:blipFill>
-          <a:blip r:embed="rId11">
-            <a:extLst>
-              <a:ext uri="{28A0092B-C50C-407E-A947-70E740481C1C}">
-                <a14:useLocalDpi xmlns:a14="http://schemas.microsoft.com/office/drawing/2010/main" val="0"/>
-              </a:ext>
-            </a:extLst>
-          </a:blip>
-          <a:srcRect/>
-          <a:stretch>
-            <a:fillRect/>
-          </a:stretch>
-        </p:blipFill>
-        <p:spPr bwMode="auto">
-          <a:xfrm>
-            <a:off x="5613621" y="261830"/>
-            <a:ext cx="152845" cy="248229"/>
-          </a:xfrm>
-          <a:prstGeom prst="rect">
-            <a:avLst/>
-          </a:prstGeom>
-          <a:noFill/>
-          <a:extLst>
-            <a:ext uri="{909E8E84-426E-40DD-AFC4-6F175D3DCCD1}">
-              <a14:hiddenFill xmlns:a14="http://schemas.microsoft.com/office/drawing/2010/main">
-                <a:solidFill>
-                  <a:srgbClr val="FFFFFF"/>
-                </a:solidFill>
-              </a14:hiddenFill>
-            </a:ext>
-          </a:extLst>
-        </p:spPr>
-      </p:pic>
-      <p:pic>
-        <p:nvPicPr>
-          <p:cNvPr id="27" name="Grafik 26">
-            <a:extLst>
-              <a:ext uri="{FF2B5EF4-FFF2-40B4-BE49-F238E27FC236}">
-                <a16:creationId xmlns:a16="http://schemas.microsoft.com/office/drawing/2014/main" id="{9788B3D5-EF9F-7156-AD0D-7D7DB1DCFD17}"/>
-              </a:ext>
-            </a:extLst>
-          </p:cNvPr>
-          <p:cNvPicPr>
-            <a:picLocks noChangeAspect="1"/>
-          </p:cNvPicPr>
-          <p:nvPr/>
-        </p:nvPicPr>
-        <p:blipFill>
-          <a:blip r:embed="rId12"/>
-          <a:stretch>
-            <a:fillRect/>
-          </a:stretch>
-        </p:blipFill>
-        <p:spPr>
-          <a:xfrm>
-            <a:off x="4041016" y="787601"/>
-            <a:ext cx="534134" cy="404025"/>
-          </a:xfrm>
-          <a:prstGeom prst="rect">
-            <a:avLst/>
-          </a:prstGeom>
-        </p:spPr>
-      </p:pic>
-      <p:pic>
-        <p:nvPicPr>
-          <p:cNvPr id="28" name="Grafik 27">
-            <a:extLst>
-              <a:ext uri="{FF2B5EF4-FFF2-40B4-BE49-F238E27FC236}">
-                <a16:creationId xmlns:a16="http://schemas.microsoft.com/office/drawing/2014/main" id="{16BFF912-BC50-4733-F9FC-0E2B4E110869}"/>
-              </a:ext>
-            </a:extLst>
-          </p:cNvPr>
-          <p:cNvPicPr>
-            <a:picLocks noChangeAspect="1"/>
-          </p:cNvPicPr>
-          <p:nvPr/>
-        </p:nvPicPr>
-        <p:blipFill>
-          <a:blip r:embed="rId12"/>
-          <a:stretch>
-            <a:fillRect/>
-          </a:stretch>
-        </p:blipFill>
-        <p:spPr>
-          <a:xfrm>
-            <a:off x="1751011" y="4018619"/>
-            <a:ext cx="534134" cy="404025"/>
-          </a:xfrm>
-          <a:prstGeom prst="rect">
-            <a:avLst/>
-          </a:prstGeom>
-        </p:spPr>
-      </p:pic>
-      <p:pic>
-        <p:nvPicPr>
-          <p:cNvPr id="29" name="Grafik 28">
-            <a:extLst>
-              <a:ext uri="{FF2B5EF4-FFF2-40B4-BE49-F238E27FC236}">
-                <a16:creationId xmlns:a16="http://schemas.microsoft.com/office/drawing/2014/main" id="{9980CC8A-5A61-3065-069C-254D5BEADCF4}"/>
-              </a:ext>
-            </a:extLst>
-          </p:cNvPr>
-          <p:cNvPicPr>
-            <a:picLocks noChangeAspect="1"/>
-          </p:cNvPicPr>
-          <p:nvPr/>
-        </p:nvPicPr>
-        <p:blipFill>
-          <a:blip r:embed="rId12"/>
-          <a:stretch>
-            <a:fillRect/>
-          </a:stretch>
-        </p:blipFill>
-        <p:spPr>
-          <a:xfrm>
-            <a:off x="4041016" y="3593617"/>
-            <a:ext cx="534134" cy="404025"/>
-          </a:xfrm>
-          <a:prstGeom prst="rect">
-            <a:avLst/>
-          </a:prstGeom>
-        </p:spPr>
-      </p:pic>
-      <p:pic>
-        <p:nvPicPr>
-          <p:cNvPr id="30" name="Grafik 29">
-            <a:extLst>
-              <a:ext uri="{FF2B5EF4-FFF2-40B4-BE49-F238E27FC236}">
-                <a16:creationId xmlns:a16="http://schemas.microsoft.com/office/drawing/2014/main" id="{7E290431-05DC-FAF9-A32B-C477E2EC6C6F}"/>
-              </a:ext>
-            </a:extLst>
-          </p:cNvPr>
-          <p:cNvPicPr>
-            <a:picLocks noChangeAspect="1"/>
-          </p:cNvPicPr>
-          <p:nvPr/>
-        </p:nvPicPr>
-        <p:blipFill>
-          <a:blip r:embed="rId12"/>
-          <a:stretch>
-            <a:fillRect/>
-          </a:stretch>
-        </p:blipFill>
-        <p:spPr>
-          <a:xfrm>
-            <a:off x="4041016" y="4738388"/>
-            <a:ext cx="534134" cy="404025"/>
+            <a:off x="720000" y="1017725"/>
+            <a:ext cx="8095919" cy="3169466"/>
           </a:xfrm>
           <a:prstGeom prst="rect">
             <a:avLst/>
@@ -22550,7 +19772,7 @@
         <p:spPr>
           <a:xfrm>
             <a:off x="720000" y="1223558"/>
-            <a:ext cx="4045057" cy="2893100"/>
+            <a:ext cx="4045057" cy="3108543"/>
           </a:xfrm>
           <a:prstGeom prst="rect">
             <a:avLst/>
@@ -22638,7 +19860,17 @@
             </a:pPr>
             <a:r>
               <a:rPr lang="en-US" dirty="0"/>
-              <a:t>Insurance Centre</a:t>
+              <a:t>Insurance Centre (Contracts)</a:t>
+            </a:r>
+          </a:p>
+          <a:p>
+            <a:pPr marL="285750" lvl="0" indent="-285750">
+              <a:buFont typeface="Arial" panose="020B0604020202020204" pitchFamily="34" charset="0"/>
+              <a:buChar char="•"/>
+            </a:pPr>
+            <a:r>
+              <a:rPr lang="en-US" dirty="0"/>
+              <a:t>Widget Design</a:t>
             </a:r>
           </a:p>
           <a:p>
@@ -22666,7 +19898,7 @@
       </p:sp>
       <p:pic>
         <p:nvPicPr>
-          <p:cNvPr id="28" name="Grafik 27">
+          <p:cNvPr id="28" name="ConfigSWR">
             <a:extLst>
               <a:ext uri="{FF2B5EF4-FFF2-40B4-BE49-F238E27FC236}">
                 <a16:creationId xmlns:a16="http://schemas.microsoft.com/office/drawing/2014/main" id="{0FA359C0-E83B-81B7-B3B4-1D0C8224E9CB}"/>
@@ -22696,7 +19928,7 @@
       </p:pic>
       <p:pic>
         <p:nvPicPr>
-          <p:cNvPr id="30" name="Grafik 29">
+          <p:cNvPr id="30" name="SWR1">
             <a:extLst>
               <a:ext uri="{FF2B5EF4-FFF2-40B4-BE49-F238E27FC236}">
                 <a16:creationId xmlns:a16="http://schemas.microsoft.com/office/drawing/2014/main" id="{F0377AE9-276D-4F41-036B-93D54BC9E180}"/>
@@ -22726,7 +19958,7 @@
       </p:pic>
       <p:pic>
         <p:nvPicPr>
-          <p:cNvPr id="41" name="Grafik 40">
+          <p:cNvPr id="41" name="SWR2">
             <a:extLst>
               <a:ext uri="{FF2B5EF4-FFF2-40B4-BE49-F238E27FC236}">
                 <a16:creationId xmlns:a16="http://schemas.microsoft.com/office/drawing/2014/main" id="{CA3A6101-13CD-754E-D944-5F3A516255D2}"/>
@@ -22756,7 +19988,7 @@
       </p:pic>
       <p:sp>
         <p:nvSpPr>
-          <p:cNvPr id="42" name="Rechteck 41">
+          <p:cNvPr id="42" name="SWRBox">
             <a:extLst>
               <a:ext uri="{FF2B5EF4-FFF2-40B4-BE49-F238E27FC236}">
                 <a16:creationId xmlns:a16="http://schemas.microsoft.com/office/drawing/2014/main" id="{7883CEEB-A664-3B13-C821-E0C07F40DE19}"/>
@@ -22808,7 +20040,7 @@
       </p:sp>
       <p:pic>
         <p:nvPicPr>
-          <p:cNvPr id="45" name="Grafik 44">
+          <p:cNvPr id="45" name="Circuit1">
             <a:extLst>
               <a:ext uri="{FF2B5EF4-FFF2-40B4-BE49-F238E27FC236}">
                 <a16:creationId xmlns:a16="http://schemas.microsoft.com/office/drawing/2014/main" id="{72496DC9-4FAE-B221-10B3-04E8AC5EB619}"/>
@@ -22838,7 +20070,7 @@
       </p:pic>
       <p:pic>
         <p:nvPicPr>
-          <p:cNvPr id="48" name="Grafik 47">
+          <p:cNvPr id="48" name="Circuit2">
             <a:extLst>
               <a:ext uri="{FF2B5EF4-FFF2-40B4-BE49-F238E27FC236}">
                 <a16:creationId xmlns:a16="http://schemas.microsoft.com/office/drawing/2014/main" id="{186CC99C-2943-47E4-D818-9454F9708FA4}"/>
@@ -22868,7 +20100,7 @@
       </p:pic>
       <p:pic>
         <p:nvPicPr>
-          <p:cNvPr id="51" name="Grafik 50">
+          <p:cNvPr id="51" name="Circuit3">
             <a:extLst>
               <a:ext uri="{FF2B5EF4-FFF2-40B4-BE49-F238E27FC236}">
                 <a16:creationId xmlns:a16="http://schemas.microsoft.com/office/drawing/2014/main" id="{C70AEE35-C03D-51F4-C052-722967DB2ABB}"/>
@@ -22898,10 +20130,10 @@
       </p:pic>
       <p:pic>
         <p:nvPicPr>
-          <p:cNvPr id="54" name="Grafik 53">
+          <p:cNvPr id="9" name="Kafka + Invalidate">
             <a:extLst>
               <a:ext uri="{FF2B5EF4-FFF2-40B4-BE49-F238E27FC236}">
-                <a16:creationId xmlns:a16="http://schemas.microsoft.com/office/drawing/2014/main" id="{39411403-A7D4-6C50-3013-93DCDB0271CD}"/>
+                <a16:creationId xmlns:a16="http://schemas.microsoft.com/office/drawing/2014/main" id="{EF18431C-DA36-06AB-B65A-6E845299735A}"/>
               </a:ext>
             </a:extLst>
           </p:cNvPr>
@@ -22918,8 +20150,8 @@
         </p:blipFill>
         <p:spPr>
           <a:xfrm>
-            <a:off x="4282874" y="973254"/>
-            <a:ext cx="4723689" cy="4334499"/>
+            <a:off x="4270770" y="977325"/>
+            <a:ext cx="3956198" cy="4141020"/>
           </a:xfrm>
           <a:prstGeom prst="rect">
             <a:avLst/>
@@ -22928,7 +20160,7 @@
       </p:pic>
       <p:pic>
         <p:nvPicPr>
-          <p:cNvPr id="57" name="Grafik 56">
+          <p:cNvPr id="57" name="Perso1">
             <a:extLst>
               <a:ext uri="{FF2B5EF4-FFF2-40B4-BE49-F238E27FC236}">
                 <a16:creationId xmlns:a16="http://schemas.microsoft.com/office/drawing/2014/main" id="{6367C75D-9E51-242A-D053-7BC002652D9C}"/>
@@ -22958,7 +20190,7 @@
       </p:pic>
       <p:sp>
         <p:nvSpPr>
-          <p:cNvPr id="58" name="Rechteck 57">
+          <p:cNvPr id="58" name="PersoBox1">
             <a:extLst>
               <a:ext uri="{FF2B5EF4-FFF2-40B4-BE49-F238E27FC236}">
                 <a16:creationId xmlns:a16="http://schemas.microsoft.com/office/drawing/2014/main" id="{C70FBA28-AC86-C459-736C-821A6A45F0E7}"/>
@@ -23010,7 +20242,7 @@
       </p:sp>
       <p:pic>
         <p:nvPicPr>
-          <p:cNvPr id="60" name="Grafik 59">
+          <p:cNvPr id="60" name="Perso2">
             <a:extLst>
               <a:ext uri="{FF2B5EF4-FFF2-40B4-BE49-F238E27FC236}">
                 <a16:creationId xmlns:a16="http://schemas.microsoft.com/office/drawing/2014/main" id="{5203DA66-EB9D-BEA0-6610-6D3D9371E7D9}"/>
@@ -23040,10 +20272,10 @@
       </p:pic>
       <p:pic>
         <p:nvPicPr>
-          <p:cNvPr id="62" name="Grafik 61">
+          <p:cNvPr id="3" name="Perso3">
             <a:extLst>
               <a:ext uri="{FF2B5EF4-FFF2-40B4-BE49-F238E27FC236}">
-                <a16:creationId xmlns:a16="http://schemas.microsoft.com/office/drawing/2014/main" id="{EA3B14B9-BC5B-CD25-48CC-169290A56EFB}"/>
+                <a16:creationId xmlns:a16="http://schemas.microsoft.com/office/drawing/2014/main" id="{13F12EE1-7837-81A8-98DC-067655C36021}"/>
               </a:ext>
             </a:extLst>
           </p:cNvPr>
@@ -23060,8 +20292,8 @@
         </p:blipFill>
         <p:spPr>
           <a:xfrm>
-            <a:off x="4260390" y="994680"/>
-            <a:ext cx="3571544" cy="4179631"/>
+            <a:off x="4292441" y="977325"/>
+            <a:ext cx="4714121" cy="3051842"/>
           </a:xfrm>
           <a:prstGeom prst="rect">
             <a:avLst/>
@@ -23070,7 +20302,7 @@
       </p:pic>
       <p:sp>
         <p:nvSpPr>
-          <p:cNvPr id="1408" name="Rechteck 1407">
+          <p:cNvPr id="1408" name="ContractBox">
             <a:extLst>
               <a:ext uri="{FF2B5EF4-FFF2-40B4-BE49-F238E27FC236}">
                 <a16:creationId xmlns:a16="http://schemas.microsoft.com/office/drawing/2014/main" id="{34064BFA-F8DD-28F0-93AE-EB908BCF8024}"/>
@@ -23082,8 +20314,8 @@
         </p:nvSpPr>
         <p:spPr>
           <a:xfrm>
-            <a:off x="7773870" y="1840300"/>
-            <a:ext cx="1232693" cy="2139368"/>
+            <a:off x="7773870" y="943671"/>
+            <a:ext cx="1232693" cy="3179489"/>
           </a:xfrm>
           <a:prstGeom prst="rect">
             <a:avLst/>
@@ -23120,6 +20352,36 @@
           </a:p>
         </p:txBody>
       </p:sp>
+      <p:pic>
+        <p:nvPicPr>
+          <p:cNvPr id="7" name="Contract">
+            <a:extLst>
+              <a:ext uri="{FF2B5EF4-FFF2-40B4-BE49-F238E27FC236}">
+                <a16:creationId xmlns:a16="http://schemas.microsoft.com/office/drawing/2014/main" id="{ADF34F52-8313-EEC8-CA0B-3D162E269B7C}"/>
+              </a:ext>
+            </a:extLst>
+          </p:cNvPr>
+          <p:cNvPicPr>
+            <a:picLocks noChangeAspect="1"/>
+          </p:cNvPicPr>
+          <p:nvPr/>
+        </p:nvPicPr>
+        <p:blipFill>
+          <a:blip r:embed="rId13"/>
+          <a:stretch>
+            <a:fillRect/>
+          </a:stretch>
+        </p:blipFill>
+        <p:spPr>
+          <a:xfrm>
+            <a:off x="4291262" y="977325"/>
+            <a:ext cx="3704390" cy="4091906"/>
+          </a:xfrm>
+          <a:prstGeom prst="rect">
+            <a:avLst/>
+          </a:prstGeom>
+        </p:spPr>
+      </p:pic>
     </p:spTree>
     <p:extLst>
       <p:ext uri="{BB962C8B-B14F-4D97-AF65-F5344CB8AC3E}">
@@ -23619,7 +20881,7 @@
                                           </p:stCondLst>
                                         </p:cTn>
                                         <p:tgtEl>
-                                          <p:spTgt spid="54"/>
+                                          <p:spTgt spid="9"/>
                                         </p:tgtEl>
                                         <p:attrNameLst>
                                           <p:attrName>style.visibility</p:attrName>
@@ -23633,7 +20895,7 @@
                                       <p:cBhvr>
                                         <p:cTn id="46" dur="500"/>
                                         <p:tgtEl>
-                                          <p:spTgt spid="54"/>
+                                          <p:spTgt spid="9"/>
                                         </p:tgtEl>
                                       </p:cBhvr>
                                     </p:animEffect>
@@ -23702,7 +20964,7 @@
                                 </p:cTn>
                               </p:par>
                               <p:par>
-                                <p:cTn id="52" presetID="10" presetClass="entr" presetSubtype="0" fill="hold" grpId="0" nodeType="withEffect">
+                                <p:cTn id="52" presetID="10" presetClass="entr" presetSubtype="0" fill="hold" nodeType="withEffect">
                                   <p:stCondLst>
                                     <p:cond delay="0"/>
                                   </p:stCondLst>
@@ -23710,6 +20972,41 @@
                                     <p:set>
                                       <p:cBhvr>
                                         <p:cTn id="53" dur="1" fill="hold">
+                                          <p:stCondLst>
+                                            <p:cond delay="0"/>
+                                          </p:stCondLst>
+                                        </p:cTn>
+                                        <p:tgtEl>
+                                          <p:spTgt spid="57"/>
+                                        </p:tgtEl>
+                                        <p:attrNameLst>
+                                          <p:attrName>style.visibility</p:attrName>
+                                        </p:attrNameLst>
+                                      </p:cBhvr>
+                                      <p:to>
+                                        <p:strVal val="visible"/>
+                                      </p:to>
+                                    </p:set>
+                                    <p:animEffect transition="in" filter="fade">
+                                      <p:cBhvr>
+                                        <p:cTn id="54" dur="500"/>
+                                        <p:tgtEl>
+                                          <p:spTgt spid="57"/>
+                                        </p:tgtEl>
+                                      </p:cBhvr>
+                                    </p:animEffect>
+                                  </p:childTnLst>
+                                </p:cTn>
+                              </p:par>
+                              <p:par>
+                                <p:cTn id="55" presetID="10" presetClass="entr" presetSubtype="0" fill="hold" grpId="0" nodeType="withEffect">
+                                  <p:stCondLst>
+                                    <p:cond delay="0"/>
+                                  </p:stCondLst>
+                                  <p:childTnLst>
+                                    <p:set>
+                                      <p:cBhvr>
+                                        <p:cTn id="56" dur="1" fill="hold">
                                           <p:stCondLst>
                                             <p:cond delay="0"/>
                                           </p:stCondLst>
@@ -23727,44 +21024,9 @@
                                     </p:set>
                                     <p:animEffect transition="in" filter="fade">
                                       <p:cBhvr>
-                                        <p:cTn id="54" dur="500"/>
+                                        <p:cTn id="57" dur="500"/>
                                         <p:tgtEl>
                                           <p:spTgt spid="58"/>
-                                        </p:tgtEl>
-                                      </p:cBhvr>
-                                    </p:animEffect>
-                                  </p:childTnLst>
-                                </p:cTn>
-                              </p:par>
-                              <p:par>
-                                <p:cTn id="55" presetID="10" presetClass="entr" presetSubtype="0" fill="hold" nodeType="withEffect">
-                                  <p:stCondLst>
-                                    <p:cond delay="0"/>
-                                  </p:stCondLst>
-                                  <p:childTnLst>
-                                    <p:set>
-                                      <p:cBhvr>
-                                        <p:cTn id="56" dur="1" fill="hold">
-                                          <p:stCondLst>
-                                            <p:cond delay="0"/>
-                                          </p:stCondLst>
-                                        </p:cTn>
-                                        <p:tgtEl>
-                                          <p:spTgt spid="57"/>
-                                        </p:tgtEl>
-                                        <p:attrNameLst>
-                                          <p:attrName>style.visibility</p:attrName>
-                                        </p:attrNameLst>
-                                      </p:cBhvr>
-                                      <p:to>
-                                        <p:strVal val="visible"/>
-                                      </p:to>
-                                    </p:set>
-                                    <p:animEffect transition="in" filter="fade">
-                                      <p:cBhvr>
-                                        <p:cTn id="57" dur="500"/>
-                                        <p:tgtEl>
-                                          <p:spTgt spid="57"/>
                                         </p:tgtEl>
                                       </p:cBhvr>
                                     </p:animEffect>
@@ -23901,7 +21163,7 @@
                                         <p:tgtEl>
                                           <p:spTgt spid="12">
                                             <p:txEl>
-                                              <p:pRg st="12" end="12"/>
+                                              <p:pRg st="10" end="10"/>
                                             </p:txEl>
                                           </p:spTgt>
                                         </p:tgtEl>
@@ -23919,7 +21181,7 @@
                                         <p:tgtEl>
                                           <p:spTgt spid="12">
                                             <p:txEl>
-                                              <p:pRg st="12" end="12"/>
+                                              <p:pRg st="10" end="10"/>
                                             </p:txEl>
                                           </p:spTgt>
                                         </p:tgtEl>
@@ -23942,7 +21204,7 @@
                                           </p:stCondLst>
                                         </p:cTn>
                                         <p:tgtEl>
-                                          <p:spTgt spid="62"/>
+                                          <p:spTgt spid="3"/>
                                         </p:tgtEl>
                                         <p:attrNameLst>
                                           <p:attrName>style.visibility</p:attrName>
@@ -23956,7 +21218,68 @@
                                       <p:cBhvr>
                                         <p:cTn id="73" dur="500"/>
                                         <p:tgtEl>
-                                          <p:spTgt spid="62"/>
+                                          <p:spTgt spid="3"/>
+                                        </p:tgtEl>
+                                      </p:cBhvr>
+                                    </p:animEffect>
+                                  </p:childTnLst>
+                                </p:cTn>
+                              </p:par>
+                            </p:childTnLst>
+                          </p:cTn>
+                        </p:par>
+                      </p:childTnLst>
+                    </p:cTn>
+                  </p:par>
+                  <p:par>
+                    <p:cTn id="74" fill="hold">
+                      <p:stCondLst>
+                        <p:cond delay="indefinite"/>
+                      </p:stCondLst>
+                      <p:childTnLst>
+                        <p:par>
+                          <p:cTn id="75" fill="hold">
+                            <p:stCondLst>
+                              <p:cond delay="0"/>
+                            </p:stCondLst>
+                            <p:childTnLst>
+                              <p:par>
+                                <p:cTn id="76" presetID="10" presetClass="entr" presetSubtype="0" fill="hold" nodeType="clickEffect">
+                                  <p:stCondLst>
+                                    <p:cond delay="0"/>
+                                  </p:stCondLst>
+                                  <p:childTnLst>
+                                    <p:set>
+                                      <p:cBhvr>
+                                        <p:cTn id="77" dur="1" fill="hold">
+                                          <p:stCondLst>
+                                            <p:cond delay="0"/>
+                                          </p:stCondLst>
+                                        </p:cTn>
+                                        <p:tgtEl>
+                                          <p:spTgt spid="12">
+                                            <p:txEl>
+                                              <p:pRg st="13" end="13"/>
+                                            </p:txEl>
+                                          </p:spTgt>
+                                        </p:tgtEl>
+                                        <p:attrNameLst>
+                                          <p:attrName>style.visibility</p:attrName>
+                                        </p:attrNameLst>
+                                      </p:cBhvr>
+                                      <p:to>
+                                        <p:strVal val="visible"/>
+                                      </p:to>
+                                    </p:set>
+                                    <p:animEffect transition="in" filter="fade">
+                                      <p:cBhvr>
+                                        <p:cTn id="78" dur="500"/>
+                                        <p:tgtEl>
+                                          <p:spTgt spid="12">
+                                            <p:txEl>
+                                              <p:pRg st="13" end="13"/>
+                                            </p:txEl>
+                                          </p:spTgt>
                                         </p:tgtEl>
                                       </p:cBhvr>
                                     </p:animEffect>
@@ -23964,14 +21287,49 @@
                                 </p:cTn>
                               </p:par>
                               <p:par>
-                                <p:cTn id="74" presetID="10" presetClass="entr" presetSubtype="0" fill="hold" grpId="0" nodeType="withEffect">
+                                <p:cTn id="79" presetID="10" presetClass="entr" presetSubtype="0" fill="hold" nodeType="withEffect">
                                   <p:stCondLst>
                                     <p:cond delay="0"/>
                                   </p:stCondLst>
                                   <p:childTnLst>
                                     <p:set>
                                       <p:cBhvr>
-                                        <p:cTn id="75" dur="1" fill="hold">
+                                        <p:cTn id="80" dur="1" fill="hold">
+                                          <p:stCondLst>
+                                            <p:cond delay="0"/>
+                                          </p:stCondLst>
+                                        </p:cTn>
+                                        <p:tgtEl>
+                                          <p:spTgt spid="7"/>
+                                        </p:tgtEl>
+                                        <p:attrNameLst>
+                                          <p:attrName>style.visibility</p:attrName>
+                                        </p:attrNameLst>
+                                      </p:cBhvr>
+                                      <p:to>
+                                        <p:strVal val="visible"/>
+                                      </p:to>
+                                    </p:set>
+                                    <p:animEffect transition="in" filter="fade">
+                                      <p:cBhvr>
+                                        <p:cTn id="81" dur="500"/>
+                                        <p:tgtEl>
+                                          <p:spTgt spid="7"/>
+                                        </p:tgtEl>
+                                      </p:cBhvr>
+                                    </p:animEffect>
+                                  </p:childTnLst>
+                                </p:cTn>
+                              </p:par>
+                              <p:par>
+                                <p:cTn id="82" presetID="10" presetClass="entr" presetSubtype="0" fill="hold" grpId="0" nodeType="withEffect">
+                                  <p:stCondLst>
+                                    <p:cond delay="0"/>
+                                  </p:stCondLst>
+                                  <p:childTnLst>
+                                    <p:set>
+                                      <p:cBhvr>
+                                        <p:cTn id="83" dur="1" fill="hold">
                                           <p:stCondLst>
                                             <p:cond delay="0"/>
                                           </p:stCondLst>
@@ -23989,7 +21347,7 @@
                                     </p:set>
                                     <p:animEffect transition="in" filter="fade">
                                       <p:cBhvr>
-                                        <p:cTn id="76" dur="500"/>
+                                        <p:cTn id="84" dur="500"/>
                                         <p:tgtEl>
                                           <p:spTgt spid="1408"/>
                                         </p:tgtEl>
